--- a/analyses/stratification/figures/fmsc_2_slides.pptx
+++ b/analyses/stratification/figures/fmsc_2_slides.pptx
@@ -2268,9 +2268,6 @@
                             </a:srgbClr>
                           </a:solidFill>
                           <a:latin typeface="Arial"/>
-                          <a:cs typeface="Arial"/>
-                          <a:ea typeface="Arial"/>
-                          <a:sym typeface="Arial"/>
                         </a:rPr>
                         <a:t>STRATA</a:t>
                       </a:r>
@@ -2285,7 +2282,7 @@
                       <a:noFill/>
                       <a:prstDash val="solid"/>
                     </a:lnR>
-                    <a:lnT algn="ctr" cmpd="sng" cap="flat" w="19050">
+                    <a:lnT algn="ctr" cmpd="sng" cap="flat" w="25400">
                       <a:solidFill>
                         <a:srgbClr val="666666">
                           <a:alpha val="100000"/>
@@ -2293,7 +2290,7 @@
                       </a:solidFill>
                       <a:prstDash val="solid"/>
                     </a:lnT>
-                    <a:lnB algn="ctr" cmpd="sng" cap="flat" w="19050">
+                    <a:lnB algn="ctr" cmpd="sng" cap="flat" w="25400">
                       <a:solidFill>
                         <a:srgbClr val="666666">
                           <a:alpha val="100000"/>
@@ -2333,9 +2330,6 @@
                             </a:srgbClr>
                           </a:solidFill>
                           <a:latin typeface="Arial"/>
-                          <a:cs typeface="Arial"/>
-                          <a:ea typeface="Arial"/>
-                          <a:sym typeface="Arial"/>
                         </a:rPr>
                         <a:t>BOX_ID</a:t>
                       </a:r>
@@ -2350,7 +2344,7 @@
                       <a:noFill/>
                       <a:prstDash val="solid"/>
                     </a:lnR>
-                    <a:lnT algn="ctr" cmpd="sng" cap="flat" w="19050">
+                    <a:lnT algn="ctr" cmpd="sng" cap="flat" w="25400">
                       <a:solidFill>
                         <a:srgbClr val="666666">
                           <a:alpha val="100000"/>
@@ -2358,7 +2352,7 @@
                       </a:solidFill>
                       <a:prstDash val="solid"/>
                     </a:lnT>
-                    <a:lnB algn="ctr" cmpd="sng" cap="flat" w="19050">
+                    <a:lnB algn="ctr" cmpd="sng" cap="flat" w="25400">
                       <a:solidFill>
                         <a:srgbClr val="666666">
                           <a:alpha val="100000"/>
@@ -2398,9 +2392,6 @@
                             </a:srgbClr>
                           </a:solidFill>
                           <a:latin typeface="Arial"/>
-                          <a:cs typeface="Arial"/>
-                          <a:ea typeface="Arial"/>
-                          <a:sym typeface="Arial"/>
                         </a:rPr>
                         <a:t>HEX_ID</a:t>
                       </a:r>
@@ -2415,7 +2406,7 @@
                       <a:noFill/>
                       <a:prstDash val="solid"/>
                     </a:lnR>
-                    <a:lnT algn="ctr" cmpd="sng" cap="flat" w="19050">
+                    <a:lnT algn="ctr" cmpd="sng" cap="flat" w="25400">
                       <a:solidFill>
                         <a:srgbClr val="666666">
                           <a:alpha val="100000"/>
@@ -2423,7 +2414,7 @@
                       </a:solidFill>
                       <a:prstDash val="solid"/>
                     </a:lnT>
-                    <a:lnB algn="ctr" cmpd="sng" cap="flat" w="19050">
+                    <a:lnB algn="ctr" cmpd="sng" cap="flat" w="25400">
                       <a:solidFill>
                         <a:srgbClr val="666666">
                           <a:alpha val="100000"/>
@@ -2463,9 +2454,6 @@
                             </a:srgbClr>
                           </a:solidFill>
                           <a:latin typeface="Arial"/>
-                          <a:cs typeface="Arial"/>
-                          <a:ea typeface="Arial"/>
-                          <a:sym typeface="Arial"/>
                         </a:rPr>
                         <a:t>WEEK</a:t>
                       </a:r>
@@ -2480,7 +2468,7 @@
                       <a:noFill/>
                       <a:prstDash val="solid"/>
                     </a:lnR>
-                    <a:lnT algn="ctr" cmpd="sng" cap="flat" w="19050">
+                    <a:lnT algn="ctr" cmpd="sng" cap="flat" w="25400">
                       <a:solidFill>
                         <a:srgbClr val="666666">
                           <a:alpha val="100000"/>
@@ -2488,7 +2476,7 @@
                       </a:solidFill>
                       <a:prstDash val="solid"/>
                     </a:lnT>
-                    <a:lnB algn="ctr" cmpd="sng" cap="flat" w="19050">
+                    <a:lnB algn="ctr" cmpd="sng" cap="flat" w="25400">
                       <a:solidFill>
                         <a:srgbClr val="666666">
                           <a:alpha val="100000"/>
@@ -2528,9 +2516,6 @@
                             </a:srgbClr>
                           </a:solidFill>
                           <a:latin typeface="Arial"/>
-                          <a:cs typeface="Arial"/>
-                          <a:ea typeface="Arial"/>
-                          <a:sym typeface="Arial"/>
                         </a:rPr>
                         <a:t>Nb</a:t>
                       </a:r>
@@ -2545,7 +2530,7 @@
                       <a:noFill/>
                       <a:prstDash val="solid"/>
                     </a:lnR>
-                    <a:lnT algn="ctr" cmpd="sng" cap="flat" w="19050">
+                    <a:lnT algn="ctr" cmpd="sng" cap="flat" w="25400">
                       <a:solidFill>
                         <a:srgbClr val="666666">
                           <a:alpha val="100000"/>
@@ -2553,7 +2538,7 @@
                       </a:solidFill>
                       <a:prstDash val="solid"/>
                     </a:lnT>
-                    <a:lnB algn="ctr" cmpd="sng" cap="flat" w="19050">
+                    <a:lnB algn="ctr" cmpd="sng" cap="flat" w="25400">
                       <a:solidFill>
                         <a:srgbClr val="666666">
                           <a:alpha val="100000"/>
@@ -2593,9 +2578,6 @@
                             </a:srgbClr>
                           </a:solidFill>
                           <a:latin typeface="Arial"/>
-                          <a:cs typeface="Arial"/>
-                          <a:ea typeface="Arial"/>
-                          <a:sym typeface="Arial"/>
                         </a:rPr>
                         <a:t>wb</a:t>
                       </a:r>
@@ -2610,7 +2592,7 @@
                       <a:noFill/>
                       <a:prstDash val="solid"/>
                     </a:lnR>
-                    <a:lnT algn="ctr" cmpd="sng" cap="flat" w="19050">
+                    <a:lnT algn="ctr" cmpd="sng" cap="flat" w="25400">
                       <a:solidFill>
                         <a:srgbClr val="666666">
                           <a:alpha val="100000"/>
@@ -2618,7 +2600,7 @@
                       </a:solidFill>
                       <a:prstDash val="solid"/>
                     </a:lnT>
-                    <a:lnB algn="ctr" cmpd="sng" cap="flat" w="19050">
+                    <a:lnB algn="ctr" cmpd="sng" cap="flat" w="25400">
                       <a:solidFill>
                         <a:srgbClr val="666666">
                           <a:alpha val="100000"/>
@@ -2658,9 +2640,6 @@
                             </a:srgbClr>
                           </a:solidFill>
                           <a:latin typeface="Arial"/>
-                          <a:cs typeface="Arial"/>
-                          <a:ea typeface="Arial"/>
-                          <a:sym typeface="Arial"/>
                         </a:rPr>
                         <a:t>tG</a:t>
                       </a:r>
@@ -2675,7 +2654,7 @@
                       <a:noFill/>
                       <a:prstDash val="solid"/>
                     </a:lnR>
-                    <a:lnT algn="ctr" cmpd="sng" cap="flat" w="19050">
+                    <a:lnT algn="ctr" cmpd="sng" cap="flat" w="25400">
                       <a:solidFill>
                         <a:srgbClr val="666666">
                           <a:alpha val="100000"/>
@@ -2683,7 +2662,7 @@
                       </a:solidFill>
                       <a:prstDash val="solid"/>
                     </a:lnT>
-                    <a:lnB algn="ctr" cmpd="sng" cap="flat" w="19050">
+                    <a:lnB algn="ctr" cmpd="sng" cap="flat" w="25400">
                       <a:solidFill>
                         <a:srgbClr val="666666">
                           <a:alpha val="100000"/>
@@ -2723,9 +2702,6 @@
                             </a:srgbClr>
                           </a:solidFill>
                           <a:latin typeface="Arial"/>
-                          <a:cs typeface="Arial"/>
-                          <a:ea typeface="Arial"/>
-                          <a:sym typeface="Arial"/>
                         </a:rPr>
                         <a:t>Ab</a:t>
                       </a:r>
@@ -2740,7 +2716,7 @@
                       <a:noFill/>
                       <a:prstDash val="solid"/>
                     </a:lnR>
-                    <a:lnT algn="ctr" cmpd="sng" cap="flat" w="19050">
+                    <a:lnT algn="ctr" cmpd="sng" cap="flat" w="25400">
                       <a:solidFill>
                         <a:srgbClr val="666666">
                           <a:alpha val="100000"/>
@@ -2748,7 +2724,7 @@
                       </a:solidFill>
                       <a:prstDash val="solid"/>
                     </a:lnT>
-                    <a:lnB algn="ctr" cmpd="sng" cap="flat" w="19050">
+                    <a:lnB algn="ctr" cmpd="sng" cap="flat" w="25400">
                       <a:solidFill>
                         <a:srgbClr val="666666">
                           <a:alpha val="100000"/>
@@ -2790,9 +2766,6 @@
                             </a:srgbClr>
                           </a:solidFill>
                           <a:latin typeface="Arial"/>
-                          <a:cs typeface="Arial"/>
-                          <a:ea typeface="Arial"/>
-                          <a:sym typeface="Arial"/>
                         </a:rPr>
                         <a:t>OB_HAL</a:t>
                       </a:r>
@@ -2847,9 +2820,6 @@
                             </a:srgbClr>
                           </a:solidFill>
                           <a:latin typeface="Arial"/>
-                          <a:cs typeface="Arial"/>
-                          <a:ea typeface="Arial"/>
-                          <a:sym typeface="Arial"/>
                         </a:rPr>
                         <a:t>6662</a:t>
                       </a:r>
@@ -2904,9 +2874,6 @@
                             </a:srgbClr>
                           </a:solidFill>
                           <a:latin typeface="Arial"/>
-                          <a:cs typeface="Arial"/>
-                          <a:ea typeface="Arial"/>
-                          <a:sym typeface="Arial"/>
                         </a:rPr>
                         <a:t>28</a:t>
                       </a:r>
@@ -2961,9 +2928,6 @@
                             </a:srgbClr>
                           </a:solidFill>
                           <a:latin typeface="Arial"/>
-                          <a:cs typeface="Arial"/>
-                          <a:ea typeface="Arial"/>
-                          <a:sym typeface="Arial"/>
                         </a:rPr>
                         <a:t>14</a:t>
                       </a:r>
@@ -3018,9 +2982,6 @@
                             </a:srgbClr>
                           </a:solidFill>
                           <a:latin typeface="Arial"/>
-                          <a:cs typeface="Arial"/>
-                          <a:ea typeface="Arial"/>
-                          <a:sym typeface="Arial"/>
                         </a:rPr>
                         <a:t>1</a:t>
                       </a:r>
@@ -3075,9 +3036,6 @@
                             </a:srgbClr>
                           </a:solidFill>
                           <a:latin typeface="Arial"/>
-                          <a:cs typeface="Arial"/>
-                          <a:ea typeface="Arial"/>
-                          <a:sym typeface="Arial"/>
                         </a:rPr>
                         <a:t>0.2500</a:t>
                       </a:r>
@@ -3132,9 +3090,6 @@
                             </a:srgbClr>
                           </a:solidFill>
                           <a:latin typeface="Arial"/>
-                          <a:cs typeface="Arial"/>
-                          <a:ea typeface="Arial"/>
-                          <a:sym typeface="Arial"/>
                         </a:rPr>
                         <a:t>1</a:t>
                       </a:r>
@@ -3189,9 +3144,6 @@
                             </a:srgbClr>
                           </a:solidFill>
                           <a:latin typeface="Arial"/>
-                          <a:cs typeface="Arial"/>
-                          <a:ea typeface="Arial"/>
-                          <a:sym typeface="Arial"/>
                         </a:rPr>
                         <a:t>0.8500</a:t>
                       </a:r>
@@ -3248,9 +3200,6 @@
                             </a:srgbClr>
                           </a:solidFill>
                           <a:latin typeface="Arial"/>
-                          <a:cs typeface="Arial"/>
-                          <a:ea typeface="Arial"/>
-                          <a:sym typeface="Arial"/>
                         </a:rPr>
                         <a:t>OB_HAL</a:t>
                       </a:r>
@@ -3305,9 +3254,6 @@
                             </a:srgbClr>
                           </a:solidFill>
                           <a:latin typeface="Arial"/>
-                          <a:cs typeface="Arial"/>
-                          <a:ea typeface="Arial"/>
-                          <a:sym typeface="Arial"/>
                         </a:rPr>
                         <a:t>6665</a:t>
                       </a:r>
@@ -3362,9 +3308,6 @@
                             </a:srgbClr>
                           </a:solidFill>
                           <a:latin typeface="Arial"/>
-                          <a:cs typeface="Arial"/>
-                          <a:ea typeface="Arial"/>
-                          <a:sym typeface="Arial"/>
                         </a:rPr>
                         <a:t>28</a:t>
                       </a:r>
@@ -3419,9 +3362,6 @@
                             </a:srgbClr>
                           </a:solidFill>
                           <a:latin typeface="Arial"/>
-                          <a:cs typeface="Arial"/>
-                          <a:ea typeface="Arial"/>
-                          <a:sym typeface="Arial"/>
                         </a:rPr>
                         <a:t>15</a:t>
                       </a:r>
@@ -3476,9 +3416,6 @@
                             </a:srgbClr>
                           </a:solidFill>
                           <a:latin typeface="Arial"/>
-                          <a:cs typeface="Arial"/>
-                          <a:ea typeface="Arial"/>
-                          <a:sym typeface="Arial"/>
                         </a:rPr>
                         <a:t>1</a:t>
                       </a:r>
@@ -3533,9 +3470,6 @@
                             </a:srgbClr>
                           </a:solidFill>
                           <a:latin typeface="Arial"/>
-                          <a:cs typeface="Arial"/>
-                          <a:ea typeface="Arial"/>
-                          <a:sym typeface="Arial"/>
                         </a:rPr>
                         <a:t>0.2500</a:t>
                       </a:r>
@@ -3590,9 +3524,6 @@
                             </a:srgbClr>
                           </a:solidFill>
                           <a:latin typeface="Arial"/>
-                          <a:cs typeface="Arial"/>
-                          <a:ea typeface="Arial"/>
-                          <a:sym typeface="Arial"/>
                         </a:rPr>
                         <a:t>1</a:t>
                       </a:r>
@@ -3647,9 +3578,6 @@
                             </a:srgbClr>
                           </a:solidFill>
                           <a:latin typeface="Arial"/>
-                          <a:cs typeface="Arial"/>
-                          <a:ea typeface="Arial"/>
-                          <a:sym typeface="Arial"/>
                         </a:rPr>
                         <a:t>0.8500</a:t>
                       </a:r>
@@ -3706,9 +3634,6 @@
                             </a:srgbClr>
                           </a:solidFill>
                           <a:latin typeface="Arial"/>
-                          <a:cs typeface="Arial"/>
-                          <a:ea typeface="Arial"/>
-                          <a:sym typeface="Arial"/>
                         </a:rPr>
                         <a:t>OB_HAL</a:t>
                       </a:r>
@@ -3763,9 +3688,6 @@
                             </a:srgbClr>
                           </a:solidFill>
                           <a:latin typeface="Arial"/>
-                          <a:cs typeface="Arial"/>
-                          <a:ea typeface="Arial"/>
-                          <a:sym typeface="Arial"/>
                         </a:rPr>
                         <a:t>6666</a:t>
                       </a:r>
@@ -3820,9 +3742,6 @@
                             </a:srgbClr>
                           </a:solidFill>
                           <a:latin typeface="Arial"/>
-                          <a:cs typeface="Arial"/>
-                          <a:ea typeface="Arial"/>
-                          <a:sym typeface="Arial"/>
                         </a:rPr>
                         <a:t>37</a:t>
                       </a:r>
@@ -3877,9 +3796,6 @@
                             </a:srgbClr>
                           </a:solidFill>
                           <a:latin typeface="Arial"/>
-                          <a:cs typeface="Arial"/>
-                          <a:ea typeface="Arial"/>
-                          <a:sym typeface="Arial"/>
                         </a:rPr>
                         <a:t>15</a:t>
                       </a:r>
@@ -3934,9 +3850,6 @@
                             </a:srgbClr>
                           </a:solidFill>
                           <a:latin typeface="Arial"/>
-                          <a:cs typeface="Arial"/>
-                          <a:ea typeface="Arial"/>
-                          <a:sym typeface="Arial"/>
                         </a:rPr>
                         <a:t>1</a:t>
                       </a:r>
@@ -3991,9 +3904,6 @@
                             </a:srgbClr>
                           </a:solidFill>
                           <a:latin typeface="Arial"/>
-                          <a:cs typeface="Arial"/>
-                          <a:ea typeface="Arial"/>
-                          <a:sym typeface="Arial"/>
                         </a:rPr>
                         <a:t>0.2500</a:t>
                       </a:r>
@@ -4048,9 +3958,6 @@
                             </a:srgbClr>
                           </a:solidFill>
                           <a:latin typeface="Arial"/>
-                          <a:cs typeface="Arial"/>
-                          <a:ea typeface="Arial"/>
-                          <a:sym typeface="Arial"/>
                         </a:rPr>
                         <a:t>1</a:t>
                       </a:r>
@@ -4105,9 +4012,6 @@
                             </a:srgbClr>
                           </a:solidFill>
                           <a:latin typeface="Arial"/>
-                          <a:cs typeface="Arial"/>
-                          <a:ea typeface="Arial"/>
-                          <a:sym typeface="Arial"/>
                         </a:rPr>
                         <a:t>0.8500</a:t>
                       </a:r>
@@ -4164,9 +4068,6 @@
                             </a:srgbClr>
                           </a:solidFill>
                           <a:latin typeface="Arial"/>
-                          <a:cs typeface="Arial"/>
-                          <a:ea typeface="Arial"/>
-                          <a:sym typeface="Arial"/>
                         </a:rPr>
                         <a:t>OB_HAL</a:t>
                       </a:r>
@@ -4221,9 +4122,6 @@
                             </a:srgbClr>
                           </a:solidFill>
                           <a:latin typeface="Arial"/>
-                          <a:cs typeface="Arial"/>
-                          <a:ea typeface="Arial"/>
-                          <a:sym typeface="Arial"/>
                         </a:rPr>
                         <a:t>6663</a:t>
                       </a:r>
@@ -4278,9 +4176,6 @@
                             </a:srgbClr>
                           </a:solidFill>
                           <a:latin typeface="Arial"/>
-                          <a:cs typeface="Arial"/>
-                          <a:ea typeface="Arial"/>
-                          <a:sym typeface="Arial"/>
                         </a:rPr>
                         <a:t>37</a:t>
                       </a:r>
@@ -4335,9 +4230,6 @@
                             </a:srgbClr>
                           </a:solidFill>
                           <a:latin typeface="Arial"/>
-                          <a:cs typeface="Arial"/>
-                          <a:ea typeface="Arial"/>
-                          <a:sym typeface="Arial"/>
                         </a:rPr>
                         <a:t>14</a:t>
                       </a:r>
@@ -4392,9 +4284,6 @@
                             </a:srgbClr>
                           </a:solidFill>
                           <a:latin typeface="Arial"/>
-                          <a:cs typeface="Arial"/>
-                          <a:ea typeface="Arial"/>
-                          <a:sym typeface="Arial"/>
                         </a:rPr>
                         <a:t>1</a:t>
                       </a:r>
@@ -4449,9 +4338,6 @@
                             </a:srgbClr>
                           </a:solidFill>
                           <a:latin typeface="Arial"/>
-                          <a:cs typeface="Arial"/>
-                          <a:ea typeface="Arial"/>
-                          <a:sym typeface="Arial"/>
                         </a:rPr>
                         <a:t>0.2500</a:t>
                       </a:r>
@@ -4506,9 +4392,6 @@
                             </a:srgbClr>
                           </a:solidFill>
                           <a:latin typeface="Arial"/>
-                          <a:cs typeface="Arial"/>
-                          <a:ea typeface="Arial"/>
-                          <a:sym typeface="Arial"/>
                         </a:rPr>
                         <a:t>1</a:t>
                       </a:r>
@@ -4563,9 +4446,6 @@
                             </a:srgbClr>
                           </a:solidFill>
                           <a:latin typeface="Arial"/>
-                          <a:cs typeface="Arial"/>
-                          <a:ea typeface="Arial"/>
-                          <a:sym typeface="Arial"/>
                         </a:rPr>
                         <a:t>0.8500</a:t>
                       </a:r>
@@ -4622,9 +4502,6 @@
                             </a:srgbClr>
                           </a:solidFill>
                           <a:latin typeface="Arial"/>
-                          <a:cs typeface="Arial"/>
-                          <a:ea typeface="Arial"/>
-                          <a:sym typeface="Arial"/>
                         </a:rPr>
                         <a:t>OB_HAL</a:t>
                       </a:r>
@@ -4679,9 +4556,6 @@
                             </a:srgbClr>
                           </a:solidFill>
                           <a:latin typeface="Arial"/>
-                          <a:cs typeface="Arial"/>
-                          <a:ea typeface="Arial"/>
-                          <a:sym typeface="Arial"/>
                         </a:rPr>
                         <a:t>5811</a:t>
                       </a:r>
@@ -4736,9 +4610,6 @@
                             </a:srgbClr>
                           </a:solidFill>
                           <a:latin typeface="Arial"/>
-                          <a:cs typeface="Arial"/>
-                          <a:ea typeface="Arial"/>
-                          <a:sym typeface="Arial"/>
                         </a:rPr>
                         <a:t>110</a:t>
                       </a:r>
@@ -4793,9 +4664,6 @@
                             </a:srgbClr>
                           </a:solidFill>
                           <a:latin typeface="Arial"/>
-                          <a:cs typeface="Arial"/>
-                          <a:ea typeface="Arial"/>
-                          <a:sym typeface="Arial"/>
                         </a:rPr>
                         <a:t>14</a:t>
                       </a:r>
@@ -4850,9 +4718,6 @@
                             </a:srgbClr>
                           </a:solidFill>
                           <a:latin typeface="Arial"/>
-                          <a:cs typeface="Arial"/>
-                          <a:ea typeface="Arial"/>
-                          <a:sym typeface="Arial"/>
                         </a:rPr>
                         <a:t>1</a:t>
                       </a:r>
@@ -4907,9 +4772,6 @@
                             </a:srgbClr>
                           </a:solidFill>
                           <a:latin typeface="Arial"/>
-                          <a:cs typeface="Arial"/>
-                          <a:ea typeface="Arial"/>
-                          <a:sym typeface="Arial"/>
                         </a:rPr>
                         <a:t>0.2500</a:t>
                       </a:r>
@@ -4964,9 +4826,6 @@
                             </a:srgbClr>
                           </a:solidFill>
                           <a:latin typeface="Arial"/>
-                          <a:cs typeface="Arial"/>
-                          <a:ea typeface="Arial"/>
-                          <a:sym typeface="Arial"/>
                         </a:rPr>
                         <a:t>25</a:t>
                       </a:r>
@@ -5021,9 +4880,6 @@
                             </a:srgbClr>
                           </a:solidFill>
                           <a:latin typeface="Arial"/>
-                          <a:cs typeface="Arial"/>
-                          <a:ea typeface="Arial"/>
-                          <a:sym typeface="Arial"/>
                         </a:rPr>
                         <a:t>0.0172</a:t>
                       </a:r>
@@ -5080,9 +4936,6 @@
                             </a:srgbClr>
                           </a:solidFill>
                           <a:latin typeface="Arial"/>
-                          <a:cs typeface="Arial"/>
-                          <a:ea typeface="Arial"/>
-                          <a:sym typeface="Arial"/>
                         </a:rPr>
                         <a:t>OB_HAL</a:t>
                       </a:r>
@@ -5137,9 +4990,6 @@
                             </a:srgbClr>
                           </a:solidFill>
                           <a:latin typeface="Arial"/>
-                          <a:cs typeface="Arial"/>
-                          <a:ea typeface="Arial"/>
-                          <a:sym typeface="Arial"/>
                         </a:rPr>
                         <a:t>6634</a:t>
                       </a:r>
@@ -5194,9 +5044,6 @@
                             </a:srgbClr>
                           </a:solidFill>
                           <a:latin typeface="Arial"/>
-                          <a:cs typeface="Arial"/>
-                          <a:ea typeface="Arial"/>
-                          <a:sym typeface="Arial"/>
                         </a:rPr>
                         <a:t>110</a:t>
                       </a:r>
@@ -5251,9 +5098,6 @@
                             </a:srgbClr>
                           </a:solidFill>
                           <a:latin typeface="Arial"/>
-                          <a:cs typeface="Arial"/>
-                          <a:ea typeface="Arial"/>
-                          <a:sym typeface="Arial"/>
                         </a:rPr>
                         <a:t>12</a:t>
                       </a:r>
@@ -5308,9 +5152,6 @@
                             </a:srgbClr>
                           </a:solidFill>
                           <a:latin typeface="Arial"/>
-                          <a:cs typeface="Arial"/>
-                          <a:ea typeface="Arial"/>
-                          <a:sym typeface="Arial"/>
                         </a:rPr>
                         <a:t>1</a:t>
                       </a:r>
@@ -5365,9 +5206,6 @@
                             </a:srgbClr>
                           </a:solidFill>
                           <a:latin typeface="Arial"/>
-                          <a:cs typeface="Arial"/>
-                          <a:ea typeface="Arial"/>
-                          <a:sym typeface="Arial"/>
                         </a:rPr>
                         <a:t>0.5000</a:t>
                       </a:r>
@@ -5422,9 +5260,6 @@
                             </a:srgbClr>
                           </a:solidFill>
                           <a:latin typeface="Arial"/>
-                          <a:cs typeface="Arial"/>
-                          <a:ea typeface="Arial"/>
-                          <a:sym typeface="Arial"/>
                         </a:rPr>
                         <a:t>20</a:t>
                       </a:r>
@@ -5479,9 +5314,6 @@
                             </a:srgbClr>
                           </a:solidFill>
                           <a:latin typeface="Arial"/>
-                          <a:cs typeface="Arial"/>
-                          <a:ea typeface="Arial"/>
-                          <a:sym typeface="Arial"/>
                         </a:rPr>
                         <a:t>0.0388</a:t>
                       </a:r>
@@ -5538,9 +5370,6 @@
                             </a:srgbClr>
                           </a:solidFill>
                           <a:latin typeface="Arial"/>
-                          <a:cs typeface="Arial"/>
-                          <a:ea typeface="Arial"/>
-                          <a:sym typeface="Arial"/>
                         </a:rPr>
                         <a:t>OB_HAL</a:t>
                       </a:r>
@@ -5595,9 +5424,6 @@
                             </a:srgbClr>
                           </a:solidFill>
                           <a:latin typeface="Arial"/>
-                          <a:cs typeface="Arial"/>
-                          <a:ea typeface="Arial"/>
-                          <a:sym typeface="Arial"/>
                         </a:rPr>
                         <a:t>6667</a:t>
                       </a:r>
@@ -5652,9 +5478,6 @@
                             </a:srgbClr>
                           </a:solidFill>
                           <a:latin typeface="Arial"/>
-                          <a:cs typeface="Arial"/>
-                          <a:ea typeface="Arial"/>
-                          <a:sym typeface="Arial"/>
                         </a:rPr>
                         <a:t>110</a:t>
                       </a:r>
@@ -5709,9 +5532,6 @@
                             </a:srgbClr>
                           </a:solidFill>
                           <a:latin typeface="Arial"/>
-                          <a:cs typeface="Arial"/>
-                          <a:ea typeface="Arial"/>
-                          <a:sym typeface="Arial"/>
                         </a:rPr>
                         <a:t>15</a:t>
                       </a:r>
@@ -5766,9 +5586,6 @@
                             </a:srgbClr>
                           </a:solidFill>
                           <a:latin typeface="Arial"/>
-                          <a:cs typeface="Arial"/>
-                          <a:ea typeface="Arial"/>
-                          <a:sym typeface="Arial"/>
                         </a:rPr>
                         <a:t>2</a:t>
                       </a:r>
@@ -5823,9 +5640,6 @@
                             </a:srgbClr>
                           </a:solidFill>
                           <a:latin typeface="Arial"/>
-                          <a:cs typeface="Arial"/>
-                          <a:ea typeface="Arial"/>
-                          <a:sym typeface="Arial"/>
                         </a:rPr>
                         <a:t>0.7500</a:t>
                       </a:r>
@@ -5880,9 +5694,6 @@
                             </a:srgbClr>
                           </a:solidFill>
                           <a:latin typeface="Arial"/>
-                          <a:cs typeface="Arial"/>
-                          <a:ea typeface="Arial"/>
-                          <a:sym typeface="Arial"/>
                         </a:rPr>
                         <a:t>21</a:t>
                       </a:r>
@@ -5937,9 +5748,6 @@
                             </a:srgbClr>
                           </a:solidFill>
                           <a:latin typeface="Arial"/>
-                          <a:cs typeface="Arial"/>
-                          <a:ea typeface="Arial"/>
-                          <a:sym typeface="Arial"/>
                         </a:rPr>
                         <a:t>0.0329</a:t>
                       </a:r>
@@ -5996,9 +5804,6 @@
                             </a:srgbClr>
                           </a:solidFill>
                           <a:latin typeface="Arial"/>
-                          <a:cs typeface="Arial"/>
-                          <a:ea typeface="Arial"/>
-                          <a:sym typeface="Arial"/>
                         </a:rPr>
                         <a:t>OB_HAL</a:t>
                       </a:r>
@@ -6053,9 +5858,6 @@
                             </a:srgbClr>
                           </a:solidFill>
                           <a:latin typeface="Arial"/>
-                          <a:cs typeface="Arial"/>
-                          <a:ea typeface="Arial"/>
-                          <a:sym typeface="Arial"/>
                         </a:rPr>
                         <a:t>6631</a:t>
                       </a:r>
@@ -6110,9 +5912,6 @@
                             </a:srgbClr>
                           </a:solidFill>
                           <a:latin typeface="Arial"/>
-                          <a:cs typeface="Arial"/>
-                          <a:ea typeface="Arial"/>
-                          <a:sym typeface="Arial"/>
                         </a:rPr>
                         <a:t>110</a:t>
                       </a:r>
@@ -6167,9 +5966,6 @@
                             </a:srgbClr>
                           </a:solidFill>
                           <a:latin typeface="Arial"/>
-                          <a:cs typeface="Arial"/>
-                          <a:ea typeface="Arial"/>
-                          <a:sym typeface="Arial"/>
                         </a:rPr>
                         <a:t>11</a:t>
                       </a:r>
@@ -6224,9 +6020,6 @@
                             </a:srgbClr>
                           </a:solidFill>
                           <a:latin typeface="Arial"/>
-                          <a:cs typeface="Arial"/>
-                          <a:ea typeface="Arial"/>
-                          <a:sym typeface="Arial"/>
                         </a:rPr>
                         <a:t>1</a:t>
                       </a:r>
@@ -6281,9 +6074,6 @@
                             </a:srgbClr>
                           </a:solidFill>
                           <a:latin typeface="Arial"/>
-                          <a:cs typeface="Arial"/>
-                          <a:ea typeface="Arial"/>
-                          <a:sym typeface="Arial"/>
                         </a:rPr>
                         <a:t>0.5000</a:t>
                       </a:r>
@@ -6338,9 +6128,6 @@
                             </a:srgbClr>
                           </a:solidFill>
                           <a:latin typeface="Arial"/>
-                          <a:cs typeface="Arial"/>
-                          <a:ea typeface="Arial"/>
-                          <a:sym typeface="Arial"/>
                         </a:rPr>
                         <a:t>21</a:t>
                       </a:r>
@@ -6395,9 +6182,6 @@
                             </a:srgbClr>
                           </a:solidFill>
                           <a:latin typeface="Arial"/>
-                          <a:cs typeface="Arial"/>
-                          <a:ea typeface="Arial"/>
-                          <a:sym typeface="Arial"/>
                         </a:rPr>
                         <a:t>0.0329</a:t>
                       </a:r>
@@ -6454,9 +6238,6 @@
                             </a:srgbClr>
                           </a:solidFill>
                           <a:latin typeface="Arial"/>
-                          <a:cs typeface="Arial"/>
-                          <a:ea typeface="Arial"/>
-                          <a:sym typeface="Arial"/>
                         </a:rPr>
                         <a:t>OB_HAL</a:t>
                       </a:r>
@@ -6511,9 +6292,6 @@
                             </a:srgbClr>
                           </a:solidFill>
                           <a:latin typeface="Arial"/>
-                          <a:cs typeface="Arial"/>
-                          <a:ea typeface="Arial"/>
-                          <a:sym typeface="Arial"/>
                         </a:rPr>
                         <a:t>5797</a:t>
                       </a:r>
@@ -6568,9 +6346,6 @@
                             </a:srgbClr>
                           </a:solidFill>
                           <a:latin typeface="Arial"/>
-                          <a:cs typeface="Arial"/>
-                          <a:ea typeface="Arial"/>
-                          <a:sym typeface="Arial"/>
                         </a:rPr>
                         <a:t>110</a:t>
                       </a:r>
@@ -6625,9 +6400,6 @@
                             </a:srgbClr>
                           </a:solidFill>
                           <a:latin typeface="Arial"/>
-                          <a:cs typeface="Arial"/>
-                          <a:ea typeface="Arial"/>
-                          <a:sym typeface="Arial"/>
                         </a:rPr>
                         <a:t>13</a:t>
                       </a:r>
@@ -6682,9 +6454,6 @@
                             </a:srgbClr>
                           </a:solidFill>
                           <a:latin typeface="Arial"/>
-                          <a:cs typeface="Arial"/>
-                          <a:ea typeface="Arial"/>
-                          <a:sym typeface="Arial"/>
                         </a:rPr>
                         <a:t>1</a:t>
                       </a:r>
@@ -6739,9 +6508,6 @@
                             </a:srgbClr>
                           </a:solidFill>
                           <a:latin typeface="Arial"/>
-                          <a:cs typeface="Arial"/>
-                          <a:ea typeface="Arial"/>
-                          <a:sym typeface="Arial"/>
                         </a:rPr>
                         <a:t>0.5000</a:t>
                       </a:r>
@@ -6796,9 +6562,6 @@
                             </a:srgbClr>
                           </a:solidFill>
                           <a:latin typeface="Arial"/>
-                          <a:cs typeface="Arial"/>
-                          <a:ea typeface="Arial"/>
-                          <a:sym typeface="Arial"/>
                         </a:rPr>
                         <a:t>18</a:t>
                       </a:r>
@@ -6853,9 +6616,6 @@
                             </a:srgbClr>
                           </a:solidFill>
                           <a:latin typeface="Arial"/>
-                          <a:cs typeface="Arial"/>
-                          <a:ea typeface="Arial"/>
-                          <a:sym typeface="Arial"/>
                         </a:rPr>
                         <a:t>0.0536</a:t>
                       </a:r>
@@ -6912,9 +6672,6 @@
                             </a:srgbClr>
                           </a:solidFill>
                           <a:latin typeface="Arial"/>
-                          <a:cs typeface="Arial"/>
-                          <a:ea typeface="Arial"/>
-                          <a:sym typeface="Arial"/>
                         </a:rPr>
                         <a:t>OB_HAL</a:t>
                       </a:r>
@@ -6933,7 +6690,7 @@
                       <a:noFill/>
                       <a:prstDash val="solid"/>
                     </a:lnT>
-                    <a:lnB algn="ctr" cmpd="sng" cap="flat" w="19050">
+                    <a:lnB algn="ctr" cmpd="sng" cap="flat" w="25400">
                       <a:solidFill>
                         <a:srgbClr val="666666">
                           <a:alpha val="100000"/>
@@ -6973,9 +6730,6 @@
                             </a:srgbClr>
                           </a:solidFill>
                           <a:latin typeface="Arial"/>
-                          <a:cs typeface="Arial"/>
-                          <a:ea typeface="Arial"/>
-                          <a:sym typeface="Arial"/>
                         </a:rPr>
                         <a:t>5812</a:t>
                       </a:r>
@@ -6994,7 +6748,7 @@
                       <a:noFill/>
                       <a:prstDash val="solid"/>
                     </a:lnT>
-                    <a:lnB algn="ctr" cmpd="sng" cap="flat" w="19050">
+                    <a:lnB algn="ctr" cmpd="sng" cap="flat" w="25400">
                       <a:solidFill>
                         <a:srgbClr val="666666">
                           <a:alpha val="100000"/>
@@ -7034,9 +6788,6 @@
                             </a:srgbClr>
                           </a:solidFill>
                           <a:latin typeface="Arial"/>
-                          <a:cs typeface="Arial"/>
-                          <a:ea typeface="Arial"/>
-                          <a:sym typeface="Arial"/>
                         </a:rPr>
                         <a:t>112</a:t>
                       </a:r>
@@ -7055,7 +6806,7 @@
                       <a:noFill/>
                       <a:prstDash val="solid"/>
                     </a:lnT>
-                    <a:lnB algn="ctr" cmpd="sng" cap="flat" w="19050">
+                    <a:lnB algn="ctr" cmpd="sng" cap="flat" w="25400">
                       <a:solidFill>
                         <a:srgbClr val="666666">
                           <a:alpha val="100000"/>
@@ -7095,9 +6846,6 @@
                             </a:srgbClr>
                           </a:solidFill>
                           <a:latin typeface="Arial"/>
-                          <a:cs typeface="Arial"/>
-                          <a:ea typeface="Arial"/>
-                          <a:sym typeface="Arial"/>
                         </a:rPr>
                         <a:t>14</a:t>
                       </a:r>
@@ -7116,7 +6864,7 @@
                       <a:noFill/>
                       <a:prstDash val="solid"/>
                     </a:lnT>
-                    <a:lnB algn="ctr" cmpd="sng" cap="flat" w="19050">
+                    <a:lnB algn="ctr" cmpd="sng" cap="flat" w="25400">
                       <a:solidFill>
                         <a:srgbClr val="666666">
                           <a:alpha val="100000"/>
@@ -7156,9 +6904,6 @@
                             </a:srgbClr>
                           </a:solidFill>
                           <a:latin typeface="Arial"/>
-                          <a:cs typeface="Arial"/>
-                          <a:ea typeface="Arial"/>
-                          <a:sym typeface="Arial"/>
                         </a:rPr>
                         <a:t>4</a:t>
                       </a:r>
@@ -7177,7 +6922,7 @@
                       <a:noFill/>
                       <a:prstDash val="solid"/>
                     </a:lnT>
-                    <a:lnB algn="ctr" cmpd="sng" cap="flat" w="19050">
+                    <a:lnB algn="ctr" cmpd="sng" cap="flat" w="25400">
                       <a:solidFill>
                         <a:srgbClr val="666666">
                           <a:alpha val="100000"/>
@@ -7217,9 +6962,6 @@
                             </a:srgbClr>
                           </a:solidFill>
                           <a:latin typeface="Arial"/>
-                          <a:cs typeface="Arial"/>
-                          <a:ea typeface="Arial"/>
-                          <a:sym typeface="Arial"/>
                         </a:rPr>
                         <a:t>1.7500</a:t>
                       </a:r>
@@ -7238,7 +6980,7 @@
                       <a:noFill/>
                       <a:prstDash val="solid"/>
                     </a:lnT>
-                    <a:lnB algn="ctr" cmpd="sng" cap="flat" w="19050">
+                    <a:lnB algn="ctr" cmpd="sng" cap="flat" w="25400">
                       <a:solidFill>
                         <a:srgbClr val="666666">
                           <a:alpha val="100000"/>
@@ -7278,9 +7020,6 @@
                             </a:srgbClr>
                           </a:solidFill>
                           <a:latin typeface="Arial"/>
-                          <a:cs typeface="Arial"/>
-                          <a:ea typeface="Arial"/>
-                          <a:sym typeface="Arial"/>
                         </a:rPr>
                         <a:t>22</a:t>
                       </a:r>
@@ -7299,7 +7038,7 @@
                       <a:noFill/>
                       <a:prstDash val="solid"/>
                     </a:lnT>
-                    <a:lnB algn="ctr" cmpd="sng" cap="flat" w="19050">
+                    <a:lnB algn="ctr" cmpd="sng" cap="flat" w="25400">
                       <a:solidFill>
                         <a:srgbClr val="666666">
                           <a:alpha val="100000"/>
@@ -7339,9 +7078,6 @@
                             </a:srgbClr>
                           </a:solidFill>
                           <a:latin typeface="Arial"/>
-                          <a:cs typeface="Arial"/>
-                          <a:ea typeface="Arial"/>
-                          <a:sym typeface="Arial"/>
                         </a:rPr>
                         <a:t>0.0280</a:t>
                       </a:r>
@@ -7360,7 +7096,7 @@
                       <a:noFill/>
                       <a:prstDash val="solid"/>
                     </a:lnT>
-                    <a:lnB algn="ctr" cmpd="sng" cap="flat" w="19050">
+                    <a:lnB algn="ctr" cmpd="sng" cap="flat" w="25400">
                       <a:solidFill>
                         <a:srgbClr val="666666">
                           <a:alpha val="100000"/>
@@ -7457,9 +7193,6 @@
                             </a:srgbClr>
                           </a:solidFill>
                           <a:latin typeface="Arial"/>
-                          <a:cs typeface="Arial"/>
-                          <a:ea typeface="Arial"/>
-                          <a:sym typeface="Arial"/>
                         </a:rPr>
                         <a:t>STRATA</a:t>
                       </a:r>
@@ -7474,7 +7207,7 @@
                       <a:noFill/>
                       <a:prstDash val="solid"/>
                     </a:lnR>
-                    <a:lnT algn="ctr" cmpd="sng" cap="flat" w="19050">
+                    <a:lnT algn="ctr" cmpd="sng" cap="flat" w="25400">
                       <a:solidFill>
                         <a:srgbClr val="666666">
                           <a:alpha val="100000"/>
@@ -7482,7 +7215,7 @@
                       </a:solidFill>
                       <a:prstDash val="solid"/>
                     </a:lnT>
-                    <a:lnB algn="ctr" cmpd="sng" cap="flat" w="19050">
+                    <a:lnB algn="ctr" cmpd="sng" cap="flat" w="25400">
                       <a:solidFill>
                         <a:srgbClr val="666666">
                           <a:alpha val="100000"/>
@@ -7522,9 +7255,6 @@
                             </a:srgbClr>
                           </a:solidFill>
                           <a:latin typeface="Arial"/>
-                          <a:cs typeface="Arial"/>
-                          <a:ea typeface="Arial"/>
-                          <a:sym typeface="Arial"/>
                         </a:rPr>
                         <a:t>BOX_ID</a:t>
                       </a:r>
@@ -7539,7 +7269,7 @@
                       <a:noFill/>
                       <a:prstDash val="solid"/>
                     </a:lnR>
-                    <a:lnT algn="ctr" cmpd="sng" cap="flat" w="19050">
+                    <a:lnT algn="ctr" cmpd="sng" cap="flat" w="25400">
                       <a:solidFill>
                         <a:srgbClr val="666666">
                           <a:alpha val="100000"/>
@@ -7547,7 +7277,7 @@
                       </a:solidFill>
                       <a:prstDash val="solid"/>
                     </a:lnT>
-                    <a:lnB algn="ctr" cmpd="sng" cap="flat" w="19050">
+                    <a:lnB algn="ctr" cmpd="sng" cap="flat" w="25400">
                       <a:solidFill>
                         <a:srgbClr val="666666">
                           <a:alpha val="100000"/>
@@ -7587,9 +7317,6 @@
                             </a:srgbClr>
                           </a:solidFill>
                           <a:latin typeface="Arial"/>
-                          <a:cs typeface="Arial"/>
-                          <a:ea typeface="Arial"/>
-                          <a:sym typeface="Arial"/>
                         </a:rPr>
                         <a:t>HEX_ID</a:t>
                       </a:r>
@@ -7604,7 +7331,7 @@
                       <a:noFill/>
                       <a:prstDash val="solid"/>
                     </a:lnR>
-                    <a:lnT algn="ctr" cmpd="sng" cap="flat" w="19050">
+                    <a:lnT algn="ctr" cmpd="sng" cap="flat" w="25400">
                       <a:solidFill>
                         <a:srgbClr val="666666">
                           <a:alpha val="100000"/>
@@ -7612,7 +7339,7 @@
                       </a:solidFill>
                       <a:prstDash val="solid"/>
                     </a:lnT>
-                    <a:lnB algn="ctr" cmpd="sng" cap="flat" w="19050">
+                    <a:lnB algn="ctr" cmpd="sng" cap="flat" w="25400">
                       <a:solidFill>
                         <a:srgbClr val="666666">
                           <a:alpha val="100000"/>
@@ -7652,9 +7379,6 @@
                             </a:srgbClr>
                           </a:solidFill>
                           <a:latin typeface="Arial"/>
-                          <a:cs typeface="Arial"/>
-                          <a:ea typeface="Arial"/>
-                          <a:sym typeface="Arial"/>
                         </a:rPr>
                         <a:t>WEEK</a:t>
                       </a:r>
@@ -7669,7 +7393,7 @@
                       <a:noFill/>
                       <a:prstDash val="solid"/>
                     </a:lnR>
-                    <a:lnT algn="ctr" cmpd="sng" cap="flat" w="19050">
+                    <a:lnT algn="ctr" cmpd="sng" cap="flat" w="25400">
                       <a:solidFill>
                         <a:srgbClr val="666666">
                           <a:alpha val="100000"/>
@@ -7677,7 +7401,7 @@
                       </a:solidFill>
                       <a:prstDash val="solid"/>
                     </a:lnT>
-                    <a:lnB algn="ctr" cmpd="sng" cap="flat" w="19050">
+                    <a:lnB algn="ctr" cmpd="sng" cap="flat" w="25400">
                       <a:solidFill>
                         <a:srgbClr val="666666">
                           <a:alpha val="100000"/>
@@ -7717,9 +7441,6 @@
                             </a:srgbClr>
                           </a:solidFill>
                           <a:latin typeface="Arial"/>
-                          <a:cs typeface="Arial"/>
-                          <a:ea typeface="Arial"/>
-                          <a:sym typeface="Arial"/>
                         </a:rPr>
                         <a:t>Nb</a:t>
                       </a:r>
@@ -7734,7 +7455,7 @@
                       <a:noFill/>
                       <a:prstDash val="solid"/>
                     </a:lnR>
-                    <a:lnT algn="ctr" cmpd="sng" cap="flat" w="19050">
+                    <a:lnT algn="ctr" cmpd="sng" cap="flat" w="25400">
                       <a:solidFill>
                         <a:srgbClr val="666666">
                           <a:alpha val="100000"/>
@@ -7742,7 +7463,7 @@
                       </a:solidFill>
                       <a:prstDash val="solid"/>
                     </a:lnT>
-                    <a:lnB algn="ctr" cmpd="sng" cap="flat" w="19050">
+                    <a:lnB algn="ctr" cmpd="sng" cap="flat" w="25400">
                       <a:solidFill>
                         <a:srgbClr val="666666">
                           <a:alpha val="100000"/>
@@ -7782,9 +7503,6 @@
                             </a:srgbClr>
                           </a:solidFill>
                           <a:latin typeface="Arial"/>
-                          <a:cs typeface="Arial"/>
-                          <a:ea typeface="Arial"/>
-                          <a:sym typeface="Arial"/>
                         </a:rPr>
                         <a:t>wb</a:t>
                       </a:r>
@@ -7799,7 +7517,7 @@
                       <a:noFill/>
                       <a:prstDash val="solid"/>
                     </a:lnR>
-                    <a:lnT algn="ctr" cmpd="sng" cap="flat" w="19050">
+                    <a:lnT algn="ctr" cmpd="sng" cap="flat" w="25400">
                       <a:solidFill>
                         <a:srgbClr val="666666">
                           <a:alpha val="100000"/>
@@ -7807,7 +7525,7 @@
                       </a:solidFill>
                       <a:prstDash val="solid"/>
                     </a:lnT>
-                    <a:lnB algn="ctr" cmpd="sng" cap="flat" w="19050">
+                    <a:lnB algn="ctr" cmpd="sng" cap="flat" w="25400">
                       <a:solidFill>
                         <a:srgbClr val="666666">
                           <a:alpha val="100000"/>
@@ -7847,9 +7565,6 @@
                             </a:srgbClr>
                           </a:solidFill>
                           <a:latin typeface="Arial"/>
-                          <a:cs typeface="Arial"/>
-                          <a:ea typeface="Arial"/>
-                          <a:sym typeface="Arial"/>
                         </a:rPr>
                         <a:t>tG</a:t>
                       </a:r>
@@ -7864,7 +7579,7 @@
                       <a:noFill/>
                       <a:prstDash val="solid"/>
                     </a:lnR>
-                    <a:lnT algn="ctr" cmpd="sng" cap="flat" w="19050">
+                    <a:lnT algn="ctr" cmpd="sng" cap="flat" w="25400">
                       <a:solidFill>
                         <a:srgbClr val="666666">
                           <a:alpha val="100000"/>
@@ -7872,7 +7587,7 @@
                       </a:solidFill>
                       <a:prstDash val="solid"/>
                     </a:lnT>
-                    <a:lnB algn="ctr" cmpd="sng" cap="flat" w="19050">
+                    <a:lnB algn="ctr" cmpd="sng" cap="flat" w="25400">
                       <a:solidFill>
                         <a:srgbClr val="666666">
                           <a:alpha val="100000"/>
@@ -7912,9 +7627,6 @@
                             </a:srgbClr>
                           </a:solidFill>
                           <a:latin typeface="Arial"/>
-                          <a:cs typeface="Arial"/>
-                          <a:ea typeface="Arial"/>
-                          <a:sym typeface="Arial"/>
                         </a:rPr>
                         <a:t>Ab</a:t>
                       </a:r>
@@ -7929,7 +7641,7 @@
                       <a:noFill/>
                       <a:prstDash val="solid"/>
                     </a:lnR>
-                    <a:lnT algn="ctr" cmpd="sng" cap="flat" w="19050">
+                    <a:lnT algn="ctr" cmpd="sng" cap="flat" w="25400">
                       <a:solidFill>
                         <a:srgbClr val="666666">
                           <a:alpha val="100000"/>
@@ -7937,7 +7649,7 @@
                       </a:solidFill>
                       <a:prstDash val="solid"/>
                     </a:lnT>
-                    <a:lnB algn="ctr" cmpd="sng" cap="flat" w="19050">
+                    <a:lnB algn="ctr" cmpd="sng" cap="flat" w="25400">
                       <a:solidFill>
                         <a:srgbClr val="666666">
                           <a:alpha val="100000"/>
@@ -7979,9 +7691,6 @@
                             </a:srgbClr>
                           </a:solidFill>
                           <a:latin typeface="Arial"/>
-                          <a:cs typeface="Arial"/>
-                          <a:ea typeface="Arial"/>
-                          <a:sym typeface="Arial"/>
                         </a:rPr>
                         <a:t>OB_POT</a:t>
                       </a:r>
@@ -8036,9 +7745,6 @@
                             </a:srgbClr>
                           </a:solidFill>
                           <a:latin typeface="Arial"/>
-                          <a:cs typeface="Arial"/>
-                          <a:ea typeface="Arial"/>
-                          <a:sym typeface="Arial"/>
                         </a:rPr>
                         <a:t>5810</a:t>
                       </a:r>
@@ -8093,9 +7799,6 @@
                             </a:srgbClr>
                           </a:solidFill>
                           <a:latin typeface="Arial"/>
-                          <a:cs typeface="Arial"/>
-                          <a:ea typeface="Arial"/>
-                          <a:sym typeface="Arial"/>
                         </a:rPr>
                         <a:t>67</a:t>
                       </a:r>
@@ -8150,9 +7853,6 @@
                             </a:srgbClr>
                           </a:solidFill>
                           <a:latin typeface="Arial"/>
-                          <a:cs typeface="Arial"/>
-                          <a:ea typeface="Arial"/>
-                          <a:sym typeface="Arial"/>
                         </a:rPr>
                         <a:t>14</a:t>
                       </a:r>
@@ -8207,9 +7907,6 @@
                             </a:srgbClr>
                           </a:solidFill>
                           <a:latin typeface="Arial"/>
-                          <a:cs typeface="Arial"/>
-                          <a:ea typeface="Arial"/>
-                          <a:sym typeface="Arial"/>
                         </a:rPr>
                         <a:t>5</a:t>
                       </a:r>
@@ -8264,9 +7961,6 @@
                             </a:srgbClr>
                           </a:solidFill>
                           <a:latin typeface="Arial"/>
-                          <a:cs typeface="Arial"/>
-                          <a:ea typeface="Arial"/>
-                          <a:sym typeface="Arial"/>
                         </a:rPr>
                         <a:t>3.5000</a:t>
                       </a:r>
@@ -8321,9 +8015,6 @@
                             </a:srgbClr>
                           </a:solidFill>
                           <a:latin typeface="Arial"/>
-                          <a:cs typeface="Arial"/>
-                          <a:ea typeface="Arial"/>
-                          <a:sym typeface="Arial"/>
                         </a:rPr>
                         <a:t>17</a:t>
                       </a:r>
@@ -8378,9 +8069,6 @@
                             </a:srgbClr>
                           </a:solidFill>
                           <a:latin typeface="Arial"/>
-                          <a:cs typeface="Arial"/>
-                          <a:ea typeface="Arial"/>
-                          <a:sym typeface="Arial"/>
                         </a:rPr>
                         <a:t>0.0631</a:t>
                       </a:r>
@@ -8437,9 +8125,6 @@
                             </a:srgbClr>
                           </a:solidFill>
                           <a:latin typeface="Arial"/>
-                          <a:cs typeface="Arial"/>
-                          <a:ea typeface="Arial"/>
-                          <a:sym typeface="Arial"/>
                         </a:rPr>
                         <a:t>OB_POT</a:t>
                       </a:r>
@@ -8494,9 +8179,6 @@
                             </a:srgbClr>
                           </a:solidFill>
                           <a:latin typeface="Arial"/>
-                          <a:cs typeface="Arial"/>
-                          <a:ea typeface="Arial"/>
-                          <a:sym typeface="Arial"/>
                         </a:rPr>
                         <a:t>7029</a:t>
                       </a:r>
@@ -8551,9 +8233,6 @@
                             </a:srgbClr>
                           </a:solidFill>
                           <a:latin typeface="Arial"/>
-                          <a:cs typeface="Arial"/>
-                          <a:ea typeface="Arial"/>
-                          <a:sym typeface="Arial"/>
                         </a:rPr>
                         <a:t>67</a:t>
                       </a:r>
@@ -8608,9 +8287,6 @@
                             </a:srgbClr>
                           </a:solidFill>
                           <a:latin typeface="Arial"/>
-                          <a:cs typeface="Arial"/>
-                          <a:ea typeface="Arial"/>
-                          <a:sym typeface="Arial"/>
                         </a:rPr>
                         <a:t>13</a:t>
                       </a:r>
@@ -8665,9 +8341,6 @@
                             </a:srgbClr>
                           </a:solidFill>
                           <a:latin typeface="Arial"/>
-                          <a:cs typeface="Arial"/>
-                          <a:ea typeface="Arial"/>
-                          <a:sym typeface="Arial"/>
                         </a:rPr>
                         <a:t>2</a:t>
                       </a:r>
@@ -8722,9 +8395,6 @@
                             </a:srgbClr>
                           </a:solidFill>
                           <a:latin typeface="Arial"/>
-                          <a:cs typeface="Arial"/>
-                          <a:ea typeface="Arial"/>
-                          <a:sym typeface="Arial"/>
                         </a:rPr>
                         <a:t>1.0000</a:t>
                       </a:r>
@@ -8779,9 +8449,6 @@
                             </a:srgbClr>
                           </a:solidFill>
                           <a:latin typeface="Arial"/>
-                          <a:cs typeface="Arial"/>
-                          <a:ea typeface="Arial"/>
-                          <a:sym typeface="Arial"/>
                         </a:rPr>
                         <a:t>8</a:t>
                       </a:r>
@@ -8836,9 +8503,6 @@
                             </a:srgbClr>
                           </a:solidFill>
                           <a:latin typeface="Arial"/>
-                          <a:cs typeface="Arial"/>
-                          <a:ea typeface="Arial"/>
-                          <a:sym typeface="Arial"/>
                         </a:rPr>
                         <a:t>0.2725</a:t>
                       </a:r>
@@ -8895,9 +8559,6 @@
                             </a:srgbClr>
                           </a:solidFill>
                           <a:latin typeface="Arial"/>
-                          <a:cs typeface="Arial"/>
-                          <a:ea typeface="Arial"/>
-                          <a:sym typeface="Arial"/>
                         </a:rPr>
                         <a:t>OB_POT</a:t>
                       </a:r>
@@ -8952,9 +8613,6 @@
                             </a:srgbClr>
                           </a:solidFill>
                           <a:latin typeface="Arial"/>
-                          <a:cs typeface="Arial"/>
-                          <a:ea typeface="Arial"/>
-                          <a:sym typeface="Arial"/>
                         </a:rPr>
                         <a:t>5822</a:t>
                       </a:r>
@@ -9009,9 +8667,6 @@
                             </a:srgbClr>
                           </a:solidFill>
                           <a:latin typeface="Arial"/>
-                          <a:cs typeface="Arial"/>
-                          <a:ea typeface="Arial"/>
-                          <a:sym typeface="Arial"/>
                         </a:rPr>
                         <a:t>67</a:t>
                       </a:r>
@@ -9066,9 +8721,6 @@
                             </a:srgbClr>
                           </a:solidFill>
                           <a:latin typeface="Arial"/>
-                          <a:cs typeface="Arial"/>
-                          <a:ea typeface="Arial"/>
-                          <a:sym typeface="Arial"/>
                         </a:rPr>
                         <a:t>15</a:t>
                       </a:r>
@@ -9123,9 +8775,6 @@
                             </a:srgbClr>
                           </a:solidFill>
                           <a:latin typeface="Arial"/>
-                          <a:cs typeface="Arial"/>
-                          <a:ea typeface="Arial"/>
-                          <a:sym typeface="Arial"/>
                         </a:rPr>
                         <a:t>6</a:t>
                       </a:r>
@@ -9180,9 +8829,6 @@
                             </a:srgbClr>
                           </a:solidFill>
                           <a:latin typeface="Arial"/>
-                          <a:cs typeface="Arial"/>
-                          <a:ea typeface="Arial"/>
-                          <a:sym typeface="Arial"/>
                         </a:rPr>
                         <a:t>4.0000</a:t>
                       </a:r>
@@ -9237,9 +8883,6 @@
                             </a:srgbClr>
                           </a:solidFill>
                           <a:latin typeface="Arial"/>
-                          <a:cs typeface="Arial"/>
-                          <a:ea typeface="Arial"/>
-                          <a:sym typeface="Arial"/>
                         </a:rPr>
                         <a:t>25</a:t>
                       </a:r>
@@ -9294,9 +8937,6 @@
                             </a:srgbClr>
                           </a:solidFill>
                           <a:latin typeface="Arial"/>
-                          <a:cs typeface="Arial"/>
-                          <a:ea typeface="Arial"/>
-                          <a:sym typeface="Arial"/>
                         </a:rPr>
                         <a:t>0.0172</a:t>
                       </a:r>
@@ -9353,9 +8993,6 @@
                             </a:srgbClr>
                           </a:solidFill>
                           <a:latin typeface="Arial"/>
-                          <a:cs typeface="Arial"/>
-                          <a:ea typeface="Arial"/>
-                          <a:sym typeface="Arial"/>
                         </a:rPr>
                         <a:t>OB_POT</a:t>
                       </a:r>
@@ -9410,9 +9047,6 @@
                             </a:srgbClr>
                           </a:solidFill>
                           <a:latin typeface="Arial"/>
-                          <a:cs typeface="Arial"/>
-                          <a:ea typeface="Arial"/>
-                          <a:sym typeface="Arial"/>
                         </a:rPr>
                         <a:t>7026</a:t>
                       </a:r>
@@ -9467,9 +9101,6 @@
                             </a:srgbClr>
                           </a:solidFill>
                           <a:latin typeface="Arial"/>
-                          <a:cs typeface="Arial"/>
-                          <a:ea typeface="Arial"/>
-                          <a:sym typeface="Arial"/>
                         </a:rPr>
                         <a:t>67</a:t>
                       </a:r>
@@ -9524,9 +9155,6 @@
                             </a:srgbClr>
                           </a:solidFill>
                           <a:latin typeface="Arial"/>
-                          <a:cs typeface="Arial"/>
-                          <a:ea typeface="Arial"/>
-                          <a:sym typeface="Arial"/>
                         </a:rPr>
                         <a:t>12</a:t>
                       </a:r>
@@ -9581,9 +9209,6 @@
                             </a:srgbClr>
                           </a:solidFill>
                           <a:latin typeface="Arial"/>
-                          <a:cs typeface="Arial"/>
-                          <a:ea typeface="Arial"/>
-                          <a:sym typeface="Arial"/>
                         </a:rPr>
                         <a:t>1</a:t>
                       </a:r>
@@ -9638,9 +9263,6 @@
                             </a:srgbClr>
                           </a:solidFill>
                           <a:latin typeface="Arial"/>
-                          <a:cs typeface="Arial"/>
-                          <a:ea typeface="Arial"/>
-                          <a:sym typeface="Arial"/>
                         </a:rPr>
                         <a:t>0.5000</a:t>
                       </a:r>
@@ -9695,9 +9317,6 @@
                             </a:srgbClr>
                           </a:solidFill>
                           <a:latin typeface="Arial"/>
-                          <a:cs typeface="Arial"/>
-                          <a:ea typeface="Arial"/>
-                          <a:sym typeface="Arial"/>
                         </a:rPr>
                         <a:t>2</a:t>
                       </a:r>
@@ -9752,9 +9371,6 @@
                             </a:srgbClr>
                           </a:solidFill>
                           <a:latin typeface="Arial"/>
-                          <a:cs typeface="Arial"/>
-                          <a:ea typeface="Arial"/>
-                          <a:sym typeface="Arial"/>
                         </a:rPr>
                         <a:t>0.7225</a:t>
                       </a:r>
@@ -9811,9 +9427,6 @@
                             </a:srgbClr>
                           </a:solidFill>
                           <a:latin typeface="Arial"/>
-                          <a:cs typeface="Arial"/>
-                          <a:ea typeface="Arial"/>
-                          <a:sym typeface="Arial"/>
                         </a:rPr>
                         <a:t>OB_POT</a:t>
                       </a:r>
@@ -9868,9 +9481,6 @@
                             </a:srgbClr>
                           </a:solidFill>
                           <a:latin typeface="Arial"/>
-                          <a:cs typeface="Arial"/>
-                          <a:ea typeface="Arial"/>
-                          <a:sym typeface="Arial"/>
                         </a:rPr>
                         <a:t>6493</a:t>
                       </a:r>
@@ -9925,9 +9535,6 @@
                             </a:srgbClr>
                           </a:solidFill>
                           <a:latin typeface="Arial"/>
-                          <a:cs typeface="Arial"/>
-                          <a:ea typeface="Arial"/>
-                          <a:sym typeface="Arial"/>
                         </a:rPr>
                         <a:t>78</a:t>
                       </a:r>
@@ -9982,9 +9589,6 @@
                             </a:srgbClr>
                           </a:solidFill>
                           <a:latin typeface="Arial"/>
-                          <a:cs typeface="Arial"/>
-                          <a:ea typeface="Arial"/>
-                          <a:sym typeface="Arial"/>
                         </a:rPr>
                         <a:t>14</a:t>
                       </a:r>
@@ -10039,9 +9643,6 @@
                             </a:srgbClr>
                           </a:solidFill>
                           <a:latin typeface="Arial"/>
-                          <a:cs typeface="Arial"/>
-                          <a:ea typeface="Arial"/>
-                          <a:sym typeface="Arial"/>
                         </a:rPr>
                         <a:t>2</a:t>
                       </a:r>
@@ -10096,9 +9697,6 @@
                             </a:srgbClr>
                           </a:solidFill>
                           <a:latin typeface="Arial"/>
-                          <a:cs typeface="Arial"/>
-                          <a:ea typeface="Arial"/>
-                          <a:sym typeface="Arial"/>
                         </a:rPr>
                         <a:t>1.0000</a:t>
                       </a:r>
@@ -10153,9 +9751,6 @@
                             </a:srgbClr>
                           </a:solidFill>
                           <a:latin typeface="Arial"/>
-                          <a:cs typeface="Arial"/>
-                          <a:ea typeface="Arial"/>
-                          <a:sym typeface="Arial"/>
                         </a:rPr>
                         <a:t>18</a:t>
                       </a:r>
@@ -10210,9 +9805,6 @@
                             </a:srgbClr>
                           </a:solidFill>
                           <a:latin typeface="Arial"/>
-                          <a:cs typeface="Arial"/>
-                          <a:ea typeface="Arial"/>
-                          <a:sym typeface="Arial"/>
                         </a:rPr>
                         <a:t>0.0536</a:t>
                       </a:r>
@@ -10269,9 +9861,6 @@
                             </a:srgbClr>
                           </a:solidFill>
                           <a:latin typeface="Arial"/>
-                          <a:cs typeface="Arial"/>
-                          <a:ea typeface="Arial"/>
-                          <a:sym typeface="Arial"/>
                         </a:rPr>
                         <a:t>OB_POT</a:t>
                       </a:r>
@@ -10326,9 +9915,6 @@
                             </a:srgbClr>
                           </a:solidFill>
                           <a:latin typeface="Arial"/>
-                          <a:cs typeface="Arial"/>
-                          <a:ea typeface="Arial"/>
-                          <a:sym typeface="Arial"/>
                         </a:rPr>
                         <a:t>6498</a:t>
                       </a:r>
@@ -10383,9 +9969,6 @@
                             </a:srgbClr>
                           </a:solidFill>
                           <a:latin typeface="Arial"/>
-                          <a:cs typeface="Arial"/>
-                          <a:ea typeface="Arial"/>
-                          <a:sym typeface="Arial"/>
                         </a:rPr>
                         <a:t>78</a:t>
                       </a:r>
@@ -10440,9 +10023,6 @@
                             </a:srgbClr>
                           </a:solidFill>
                           <a:latin typeface="Arial"/>
-                          <a:cs typeface="Arial"/>
-                          <a:ea typeface="Arial"/>
-                          <a:sym typeface="Arial"/>
                         </a:rPr>
                         <a:t>15</a:t>
                       </a:r>
@@ -10497,9 +10077,6 @@
                             </a:srgbClr>
                           </a:solidFill>
                           <a:latin typeface="Arial"/>
-                          <a:cs typeface="Arial"/>
-                          <a:ea typeface="Arial"/>
-                          <a:sym typeface="Arial"/>
                         </a:rPr>
                         <a:t>7</a:t>
                       </a:r>
@@ -10554,9 +10131,6 @@
                             </a:srgbClr>
                           </a:solidFill>
                           <a:latin typeface="Arial"/>
-                          <a:cs typeface="Arial"/>
-                          <a:ea typeface="Arial"/>
-                          <a:sym typeface="Arial"/>
                         </a:rPr>
                         <a:t>5.5000</a:t>
                       </a:r>
@@ -10611,9 +10185,6 @@
                             </a:srgbClr>
                           </a:solidFill>
                           <a:latin typeface="Arial"/>
-                          <a:cs typeface="Arial"/>
-                          <a:ea typeface="Arial"/>
-                          <a:sym typeface="Arial"/>
                         </a:rPr>
                         <a:t>30</a:t>
                       </a:r>
@@ -10668,9 +10239,6 @@
                             </a:srgbClr>
                           </a:solidFill>
                           <a:latin typeface="Arial"/>
-                          <a:cs typeface="Arial"/>
-                          <a:ea typeface="Arial"/>
-                          <a:sym typeface="Arial"/>
                         </a:rPr>
                         <a:t>0.0076</a:t>
                       </a:r>
@@ -10727,9 +10295,6 @@
                             </a:srgbClr>
                           </a:solidFill>
                           <a:latin typeface="Arial"/>
-                          <a:cs typeface="Arial"/>
-                          <a:ea typeface="Arial"/>
-                          <a:sym typeface="Arial"/>
                         </a:rPr>
                         <a:t>OB_POT</a:t>
                       </a:r>
@@ -10784,9 +10349,6 @@
                             </a:srgbClr>
                           </a:solidFill>
                           <a:latin typeface="Arial"/>
-                          <a:cs typeface="Arial"/>
-                          <a:ea typeface="Arial"/>
-                          <a:sym typeface="Arial"/>
                         </a:rPr>
                         <a:t>6494</a:t>
                       </a:r>
@@ -10841,9 +10403,6 @@
                             </a:srgbClr>
                           </a:solidFill>
                           <a:latin typeface="Arial"/>
-                          <a:cs typeface="Arial"/>
-                          <a:ea typeface="Arial"/>
-                          <a:sym typeface="Arial"/>
                         </a:rPr>
                         <a:t>91</a:t>
                       </a:r>
@@ -10898,9 +10457,6 @@
                             </a:srgbClr>
                           </a:solidFill>
                           <a:latin typeface="Arial"/>
-                          <a:cs typeface="Arial"/>
-                          <a:ea typeface="Arial"/>
-                          <a:sym typeface="Arial"/>
                         </a:rPr>
                         <a:t>14</a:t>
                       </a:r>
@@ -10955,9 +10511,6 @@
                             </a:srgbClr>
                           </a:solidFill>
                           <a:latin typeface="Arial"/>
-                          <a:cs typeface="Arial"/>
-                          <a:ea typeface="Arial"/>
-                          <a:sym typeface="Arial"/>
                         </a:rPr>
                         <a:t>1</a:t>
                       </a:r>
@@ -11012,9 +10565,6 @@
                             </a:srgbClr>
                           </a:solidFill>
                           <a:latin typeface="Arial"/>
-                          <a:cs typeface="Arial"/>
-                          <a:ea typeface="Arial"/>
-                          <a:sym typeface="Arial"/>
                         </a:rPr>
                         <a:t>0.5000</a:t>
                       </a:r>
@@ -11069,9 +10619,6 @@
                             </a:srgbClr>
                           </a:solidFill>
                           <a:latin typeface="Arial"/>
-                          <a:cs typeface="Arial"/>
-                          <a:ea typeface="Arial"/>
-                          <a:sym typeface="Arial"/>
                         </a:rPr>
                         <a:t>8</a:t>
                       </a:r>
@@ -11126,9 +10673,6 @@
                             </a:srgbClr>
                           </a:solidFill>
                           <a:latin typeface="Arial"/>
-                          <a:cs typeface="Arial"/>
-                          <a:ea typeface="Arial"/>
-                          <a:sym typeface="Arial"/>
                         </a:rPr>
                         <a:t>0.2725</a:t>
                       </a:r>
@@ -11185,9 +10729,6 @@
                             </a:srgbClr>
                           </a:solidFill>
                           <a:latin typeface="Arial"/>
-                          <a:cs typeface="Arial"/>
-                          <a:ea typeface="Arial"/>
-                          <a:sym typeface="Arial"/>
                         </a:rPr>
                         <a:t>OB_POT</a:t>
                       </a:r>
@@ -11242,9 +10783,6 @@
                             </a:srgbClr>
                           </a:solidFill>
                           <a:latin typeface="Arial"/>
-                          <a:cs typeface="Arial"/>
-                          <a:ea typeface="Arial"/>
-                          <a:sym typeface="Arial"/>
                         </a:rPr>
                         <a:t>6499</a:t>
                       </a:r>
@@ -11299,9 +10837,6 @@
                             </a:srgbClr>
                           </a:solidFill>
                           <a:latin typeface="Arial"/>
-                          <a:cs typeface="Arial"/>
-                          <a:ea typeface="Arial"/>
-                          <a:sym typeface="Arial"/>
                         </a:rPr>
                         <a:t>91</a:t>
                       </a:r>
@@ -11356,9 +10891,6 @@
                             </a:srgbClr>
                           </a:solidFill>
                           <a:latin typeface="Arial"/>
-                          <a:cs typeface="Arial"/>
-                          <a:ea typeface="Arial"/>
-                          <a:sym typeface="Arial"/>
                         </a:rPr>
                         <a:t>15</a:t>
                       </a:r>
@@ -11413,9 +10945,6 @@
                             </a:srgbClr>
                           </a:solidFill>
                           <a:latin typeface="Arial"/>
-                          <a:cs typeface="Arial"/>
-                          <a:ea typeface="Arial"/>
-                          <a:sym typeface="Arial"/>
                         </a:rPr>
                         <a:t>1</a:t>
                       </a:r>
@@ -11470,9 +10999,6 @@
                             </a:srgbClr>
                           </a:solidFill>
                           <a:latin typeface="Arial"/>
-                          <a:cs typeface="Arial"/>
-                          <a:ea typeface="Arial"/>
-                          <a:sym typeface="Arial"/>
                         </a:rPr>
                         <a:t>0.5000</a:t>
                       </a:r>
@@ -11527,9 +11053,6 @@
                             </a:srgbClr>
                           </a:solidFill>
                           <a:latin typeface="Arial"/>
-                          <a:cs typeface="Arial"/>
-                          <a:ea typeface="Arial"/>
-                          <a:sym typeface="Arial"/>
                         </a:rPr>
                         <a:t>17</a:t>
                       </a:r>
@@ -11584,9 +11107,6 @@
                             </a:srgbClr>
                           </a:solidFill>
                           <a:latin typeface="Arial"/>
-                          <a:cs typeface="Arial"/>
-                          <a:ea typeface="Arial"/>
-                          <a:sym typeface="Arial"/>
                         </a:rPr>
                         <a:t>0.0631</a:t>
                       </a:r>
@@ -11643,9 +11163,6 @@
                             </a:srgbClr>
                           </a:solidFill>
                           <a:latin typeface="Arial"/>
-                          <a:cs typeface="Arial"/>
-                          <a:ea typeface="Arial"/>
-                          <a:sym typeface="Arial"/>
                         </a:rPr>
                         <a:t>OB_POT</a:t>
                       </a:r>
@@ -11700,9 +11217,6 @@
                             </a:srgbClr>
                           </a:solidFill>
                           <a:latin typeface="Arial"/>
-                          <a:cs typeface="Arial"/>
-                          <a:ea typeface="Arial"/>
-                          <a:sym typeface="Arial"/>
                         </a:rPr>
                         <a:t>7035</a:t>
                       </a:r>
@@ -11757,9 +11271,6 @@
                             </a:srgbClr>
                           </a:solidFill>
                           <a:latin typeface="Arial"/>
-                          <a:cs typeface="Arial"/>
-                          <a:ea typeface="Arial"/>
-                          <a:sym typeface="Arial"/>
                         </a:rPr>
                         <a:t>106</a:t>
                       </a:r>
@@ -11814,9 +11325,6 @@
                             </a:srgbClr>
                           </a:solidFill>
                           <a:latin typeface="Arial"/>
-                          <a:cs typeface="Arial"/>
-                          <a:ea typeface="Arial"/>
-                          <a:sym typeface="Arial"/>
                         </a:rPr>
                         <a:t>15</a:t>
                       </a:r>
@@ -11871,9 +11379,6 @@
                             </a:srgbClr>
                           </a:solidFill>
                           <a:latin typeface="Arial"/>
-                          <a:cs typeface="Arial"/>
-                          <a:ea typeface="Arial"/>
-                          <a:sym typeface="Arial"/>
                         </a:rPr>
                         <a:t>1</a:t>
                       </a:r>
@@ -11928,9 +11433,6 @@
                             </a:srgbClr>
                           </a:solidFill>
                           <a:latin typeface="Arial"/>
-                          <a:cs typeface="Arial"/>
-                          <a:ea typeface="Arial"/>
-                          <a:sym typeface="Arial"/>
                         </a:rPr>
                         <a:t>0.1667</a:t>
                       </a:r>
@@ -11985,9 +11487,6 @@
                             </a:srgbClr>
                           </a:solidFill>
                           <a:latin typeface="Arial"/>
-                          <a:cs typeface="Arial"/>
-                          <a:ea typeface="Arial"/>
-                          <a:sym typeface="Arial"/>
                         </a:rPr>
                         <a:t>6</a:t>
                       </a:r>
@@ -12042,9 +11541,6 @@
                             </a:srgbClr>
                           </a:solidFill>
                           <a:latin typeface="Arial"/>
-                          <a:cs typeface="Arial"/>
-                          <a:ea typeface="Arial"/>
-                          <a:sym typeface="Arial"/>
                         </a:rPr>
                         <a:t>0.3771</a:t>
                       </a:r>
@@ -12101,9 +11597,6 @@
                             </a:srgbClr>
                           </a:solidFill>
                           <a:latin typeface="Arial"/>
-                          <a:cs typeface="Arial"/>
-                          <a:ea typeface="Arial"/>
-                          <a:sym typeface="Arial"/>
                         </a:rPr>
                         <a:t>OB_POT</a:t>
                       </a:r>
@@ -12122,7 +11615,7 @@
                       <a:noFill/>
                       <a:prstDash val="solid"/>
                     </a:lnT>
-                    <a:lnB algn="ctr" cmpd="sng" cap="flat" w="19050">
+                    <a:lnB algn="ctr" cmpd="sng" cap="flat" w="25400">
                       <a:solidFill>
                         <a:srgbClr val="666666">
                           <a:alpha val="100000"/>
@@ -12162,9 +11655,6 @@
                             </a:srgbClr>
                           </a:solidFill>
                           <a:latin typeface="Arial"/>
-                          <a:cs typeface="Arial"/>
-                          <a:ea typeface="Arial"/>
-                          <a:sym typeface="Arial"/>
                         </a:rPr>
                         <a:t>7031</a:t>
                       </a:r>
@@ -12183,7 +11673,7 @@
                       <a:noFill/>
                       <a:prstDash val="solid"/>
                     </a:lnT>
-                    <a:lnB algn="ctr" cmpd="sng" cap="flat" w="19050">
+                    <a:lnB algn="ctr" cmpd="sng" cap="flat" w="25400">
                       <a:solidFill>
                         <a:srgbClr val="666666">
                           <a:alpha val="100000"/>
@@ -12223,9 +11713,6 @@
                             </a:srgbClr>
                           </a:solidFill>
                           <a:latin typeface="Arial"/>
-                          <a:cs typeface="Arial"/>
-                          <a:ea typeface="Arial"/>
-                          <a:sym typeface="Arial"/>
                         </a:rPr>
                         <a:t>106</a:t>
                       </a:r>
@@ -12244,7 +11731,7 @@
                       <a:noFill/>
                       <a:prstDash val="solid"/>
                     </a:lnT>
-                    <a:lnB algn="ctr" cmpd="sng" cap="flat" w="19050">
+                    <a:lnB algn="ctr" cmpd="sng" cap="flat" w="25400">
                       <a:solidFill>
                         <a:srgbClr val="666666">
                           <a:alpha val="100000"/>
@@ -12284,9 +11771,6 @@
                             </a:srgbClr>
                           </a:solidFill>
                           <a:latin typeface="Arial"/>
-                          <a:cs typeface="Arial"/>
-                          <a:ea typeface="Arial"/>
-                          <a:sym typeface="Arial"/>
                         </a:rPr>
                         <a:t>14</a:t>
                       </a:r>
@@ -12305,7 +11789,7 @@
                       <a:noFill/>
                       <a:prstDash val="solid"/>
                     </a:lnT>
-                    <a:lnB algn="ctr" cmpd="sng" cap="flat" w="19050">
+                    <a:lnB algn="ctr" cmpd="sng" cap="flat" w="25400">
                       <a:solidFill>
                         <a:srgbClr val="666666">
                           <a:alpha val="100000"/>
@@ -12345,9 +11829,6 @@
                             </a:srgbClr>
                           </a:solidFill>
                           <a:latin typeface="Arial"/>
-                          <a:cs typeface="Arial"/>
-                          <a:ea typeface="Arial"/>
-                          <a:sym typeface="Arial"/>
                         </a:rPr>
                         <a:t>1</a:t>
                       </a:r>
@@ -12366,7 +11847,7 @@
                       <a:noFill/>
                       <a:prstDash val="solid"/>
                     </a:lnT>
-                    <a:lnB algn="ctr" cmpd="sng" cap="flat" w="19050">
+                    <a:lnB algn="ctr" cmpd="sng" cap="flat" w="25400">
                       <a:solidFill>
                         <a:srgbClr val="666666">
                           <a:alpha val="100000"/>
@@ -12406,9 +11887,6 @@
                             </a:srgbClr>
                           </a:solidFill>
                           <a:latin typeface="Arial"/>
-                          <a:cs typeface="Arial"/>
-                          <a:ea typeface="Arial"/>
-                          <a:sym typeface="Arial"/>
                         </a:rPr>
                         <a:t>0.1667</a:t>
                       </a:r>
@@ -12427,7 +11905,7 @@
                       <a:noFill/>
                       <a:prstDash val="solid"/>
                     </a:lnT>
-                    <a:lnB algn="ctr" cmpd="sng" cap="flat" w="19050">
+                    <a:lnB algn="ctr" cmpd="sng" cap="flat" w="25400">
                       <a:solidFill>
                         <a:srgbClr val="666666">
                           <a:alpha val="100000"/>
@@ -12467,9 +11945,6 @@
                             </a:srgbClr>
                           </a:solidFill>
                           <a:latin typeface="Arial"/>
-                          <a:cs typeface="Arial"/>
-                          <a:ea typeface="Arial"/>
-                          <a:sym typeface="Arial"/>
                         </a:rPr>
                         <a:t>5</a:t>
                       </a:r>
@@ -12488,7 +11963,7 @@
                       <a:noFill/>
                       <a:prstDash val="solid"/>
                     </a:lnT>
-                    <a:lnB algn="ctr" cmpd="sng" cap="flat" w="19050">
+                    <a:lnB algn="ctr" cmpd="sng" cap="flat" w="25400">
                       <a:solidFill>
                         <a:srgbClr val="666666">
                           <a:alpha val="100000"/>
@@ -12528,9 +12003,6 @@
                             </a:srgbClr>
                           </a:solidFill>
                           <a:latin typeface="Arial"/>
-                          <a:cs typeface="Arial"/>
-                          <a:ea typeface="Arial"/>
-                          <a:sym typeface="Arial"/>
                         </a:rPr>
                         <a:t>0.4437</a:t>
                       </a:r>
@@ -12549,7 +12021,7 @@
                       <a:noFill/>
                       <a:prstDash val="solid"/>
                     </a:lnT>
-                    <a:lnB algn="ctr" cmpd="sng" cap="flat" w="19050">
+                    <a:lnB algn="ctr" cmpd="sng" cap="flat" w="25400">
                       <a:solidFill>
                         <a:srgbClr val="666666">
                           <a:alpha val="100000"/>
@@ -12646,9 +12118,6 @@
                             </a:srgbClr>
                           </a:solidFill>
                           <a:latin typeface="Arial"/>
-                          <a:cs typeface="Arial"/>
-                          <a:ea typeface="Arial"/>
-                          <a:sym typeface="Arial"/>
                         </a:rPr>
                         <a:t>STRATA</a:t>
                       </a:r>
@@ -12663,7 +12132,7 @@
                       <a:noFill/>
                       <a:prstDash val="solid"/>
                     </a:lnR>
-                    <a:lnT algn="ctr" cmpd="sng" cap="flat" w="19050">
+                    <a:lnT algn="ctr" cmpd="sng" cap="flat" w="25400">
                       <a:solidFill>
                         <a:srgbClr val="666666">
                           <a:alpha val="100000"/>
@@ -12671,7 +12140,7 @@
                       </a:solidFill>
                       <a:prstDash val="solid"/>
                     </a:lnT>
-                    <a:lnB algn="ctr" cmpd="sng" cap="flat" w="19050">
+                    <a:lnB algn="ctr" cmpd="sng" cap="flat" w="25400">
                       <a:solidFill>
                         <a:srgbClr val="666666">
                           <a:alpha val="100000"/>
@@ -12711,9 +12180,6 @@
                             </a:srgbClr>
                           </a:solidFill>
                           <a:latin typeface="Arial"/>
-                          <a:cs typeface="Arial"/>
-                          <a:ea typeface="Arial"/>
-                          <a:sym typeface="Arial"/>
                         </a:rPr>
                         <a:t>BOX_ID</a:t>
                       </a:r>
@@ -12728,7 +12194,7 @@
                       <a:noFill/>
                       <a:prstDash val="solid"/>
                     </a:lnR>
-                    <a:lnT algn="ctr" cmpd="sng" cap="flat" w="19050">
+                    <a:lnT algn="ctr" cmpd="sng" cap="flat" w="25400">
                       <a:solidFill>
                         <a:srgbClr val="666666">
                           <a:alpha val="100000"/>
@@ -12736,7 +12202,7 @@
                       </a:solidFill>
                       <a:prstDash val="solid"/>
                     </a:lnT>
-                    <a:lnB algn="ctr" cmpd="sng" cap="flat" w="19050">
+                    <a:lnB algn="ctr" cmpd="sng" cap="flat" w="25400">
                       <a:solidFill>
                         <a:srgbClr val="666666">
                           <a:alpha val="100000"/>
@@ -12776,9 +12242,6 @@
                             </a:srgbClr>
                           </a:solidFill>
                           <a:latin typeface="Arial"/>
-                          <a:cs typeface="Arial"/>
-                          <a:ea typeface="Arial"/>
-                          <a:sym typeface="Arial"/>
                         </a:rPr>
                         <a:t>HEX_ID</a:t>
                       </a:r>
@@ -12793,7 +12256,7 @@
                       <a:noFill/>
                       <a:prstDash val="solid"/>
                     </a:lnR>
-                    <a:lnT algn="ctr" cmpd="sng" cap="flat" w="19050">
+                    <a:lnT algn="ctr" cmpd="sng" cap="flat" w="25400">
                       <a:solidFill>
                         <a:srgbClr val="666666">
                           <a:alpha val="100000"/>
@@ -12801,7 +12264,7 @@
                       </a:solidFill>
                       <a:prstDash val="solid"/>
                     </a:lnT>
-                    <a:lnB algn="ctr" cmpd="sng" cap="flat" w="19050">
+                    <a:lnB algn="ctr" cmpd="sng" cap="flat" w="25400">
                       <a:solidFill>
                         <a:srgbClr val="666666">
                           <a:alpha val="100000"/>
@@ -12841,9 +12304,6 @@
                             </a:srgbClr>
                           </a:solidFill>
                           <a:latin typeface="Arial"/>
-                          <a:cs typeface="Arial"/>
-                          <a:ea typeface="Arial"/>
-                          <a:sym typeface="Arial"/>
                         </a:rPr>
                         <a:t>WEEK</a:t>
                       </a:r>
@@ -12858,7 +12318,7 @@
                       <a:noFill/>
                       <a:prstDash val="solid"/>
                     </a:lnR>
-                    <a:lnT algn="ctr" cmpd="sng" cap="flat" w="19050">
+                    <a:lnT algn="ctr" cmpd="sng" cap="flat" w="25400">
                       <a:solidFill>
                         <a:srgbClr val="666666">
                           <a:alpha val="100000"/>
@@ -12866,7 +12326,7 @@
                       </a:solidFill>
                       <a:prstDash val="solid"/>
                     </a:lnT>
-                    <a:lnB algn="ctr" cmpd="sng" cap="flat" w="19050">
+                    <a:lnB algn="ctr" cmpd="sng" cap="flat" w="25400">
                       <a:solidFill>
                         <a:srgbClr val="666666">
                           <a:alpha val="100000"/>
@@ -12906,9 +12366,6 @@
                             </a:srgbClr>
                           </a:solidFill>
                           <a:latin typeface="Arial"/>
-                          <a:cs typeface="Arial"/>
-                          <a:ea typeface="Arial"/>
-                          <a:sym typeface="Arial"/>
                         </a:rPr>
                         <a:t>Nb</a:t>
                       </a:r>
@@ -12923,7 +12380,7 @@
                       <a:noFill/>
                       <a:prstDash val="solid"/>
                     </a:lnR>
-                    <a:lnT algn="ctr" cmpd="sng" cap="flat" w="19050">
+                    <a:lnT algn="ctr" cmpd="sng" cap="flat" w="25400">
                       <a:solidFill>
                         <a:srgbClr val="666666">
                           <a:alpha val="100000"/>
@@ -12931,7 +12388,7 @@
                       </a:solidFill>
                       <a:prstDash val="solid"/>
                     </a:lnT>
-                    <a:lnB algn="ctr" cmpd="sng" cap="flat" w="19050">
+                    <a:lnB algn="ctr" cmpd="sng" cap="flat" w="25400">
                       <a:solidFill>
                         <a:srgbClr val="666666">
                           <a:alpha val="100000"/>
@@ -12971,9 +12428,6 @@
                             </a:srgbClr>
                           </a:solidFill>
                           <a:latin typeface="Arial"/>
-                          <a:cs typeface="Arial"/>
-                          <a:ea typeface="Arial"/>
-                          <a:sym typeface="Arial"/>
                         </a:rPr>
                         <a:t>wb</a:t>
                       </a:r>
@@ -12988,7 +12442,7 @@
                       <a:noFill/>
                       <a:prstDash val="solid"/>
                     </a:lnR>
-                    <a:lnT algn="ctr" cmpd="sng" cap="flat" w="19050">
+                    <a:lnT algn="ctr" cmpd="sng" cap="flat" w="25400">
                       <a:solidFill>
                         <a:srgbClr val="666666">
                           <a:alpha val="100000"/>
@@ -12996,7 +12450,7 @@
                       </a:solidFill>
                       <a:prstDash val="solid"/>
                     </a:lnT>
-                    <a:lnB algn="ctr" cmpd="sng" cap="flat" w="19050">
+                    <a:lnB algn="ctr" cmpd="sng" cap="flat" w="25400">
                       <a:solidFill>
                         <a:srgbClr val="666666">
                           <a:alpha val="100000"/>
@@ -13036,9 +12490,6 @@
                             </a:srgbClr>
                           </a:solidFill>
                           <a:latin typeface="Arial"/>
-                          <a:cs typeface="Arial"/>
-                          <a:ea typeface="Arial"/>
-                          <a:sym typeface="Arial"/>
                         </a:rPr>
                         <a:t>tG</a:t>
                       </a:r>
@@ -13053,7 +12504,7 @@
                       <a:noFill/>
                       <a:prstDash val="solid"/>
                     </a:lnR>
-                    <a:lnT algn="ctr" cmpd="sng" cap="flat" w="19050">
+                    <a:lnT algn="ctr" cmpd="sng" cap="flat" w="25400">
                       <a:solidFill>
                         <a:srgbClr val="666666">
                           <a:alpha val="100000"/>
@@ -13061,7 +12512,7 @@
                       </a:solidFill>
                       <a:prstDash val="solid"/>
                     </a:lnT>
-                    <a:lnB algn="ctr" cmpd="sng" cap="flat" w="19050">
+                    <a:lnB algn="ctr" cmpd="sng" cap="flat" w="25400">
                       <a:solidFill>
                         <a:srgbClr val="666666">
                           <a:alpha val="100000"/>
@@ -13101,9 +12552,6 @@
                             </a:srgbClr>
                           </a:solidFill>
                           <a:latin typeface="Arial"/>
-                          <a:cs typeface="Arial"/>
-                          <a:ea typeface="Arial"/>
-                          <a:sym typeface="Arial"/>
                         </a:rPr>
                         <a:t>Ab</a:t>
                       </a:r>
@@ -13118,7 +12566,7 @@
                       <a:noFill/>
                       <a:prstDash val="solid"/>
                     </a:lnR>
-                    <a:lnT algn="ctr" cmpd="sng" cap="flat" w="19050">
+                    <a:lnT algn="ctr" cmpd="sng" cap="flat" w="25400">
                       <a:solidFill>
                         <a:srgbClr val="666666">
                           <a:alpha val="100000"/>
@@ -13126,7 +12574,7 @@
                       </a:solidFill>
                       <a:prstDash val="solid"/>
                     </a:lnT>
-                    <a:lnB algn="ctr" cmpd="sng" cap="flat" w="19050">
+                    <a:lnB algn="ctr" cmpd="sng" cap="flat" w="25400">
                       <a:solidFill>
                         <a:srgbClr val="666666">
                           <a:alpha val="100000"/>
@@ -13168,9 +12616,6 @@
                             </a:srgbClr>
                           </a:solidFill>
                           <a:latin typeface="Arial"/>
-                          <a:cs typeface="Arial"/>
-                          <a:ea typeface="Arial"/>
-                          <a:sym typeface="Arial"/>
                         </a:rPr>
                         <a:t>OB_TRW</a:t>
                       </a:r>
@@ -13225,9 +12670,6 @@
                             </a:srgbClr>
                           </a:solidFill>
                           <a:latin typeface="Arial"/>
-                          <a:cs typeface="Arial"/>
-                          <a:ea typeface="Arial"/>
-                          <a:sym typeface="Arial"/>
                         </a:rPr>
                         <a:t>7126</a:t>
                       </a:r>
@@ -13282,9 +12724,6 @@
                             </a:srgbClr>
                           </a:solidFill>
                           <a:latin typeface="Arial"/>
-                          <a:cs typeface="Arial"/>
-                          <a:ea typeface="Arial"/>
-                          <a:sym typeface="Arial"/>
                         </a:rPr>
                         <a:t>78</a:t>
                       </a:r>
@@ -13339,9 +12778,6 @@
                             </a:srgbClr>
                           </a:solidFill>
                           <a:latin typeface="Arial"/>
-                          <a:cs typeface="Arial"/>
-                          <a:ea typeface="Arial"/>
-                          <a:sym typeface="Arial"/>
                         </a:rPr>
                         <a:t>11</a:t>
                       </a:r>
@@ -13396,9 +12832,6 @@
                             </a:srgbClr>
                           </a:solidFill>
                           <a:latin typeface="Arial"/>
-                          <a:cs typeface="Arial"/>
-                          <a:ea typeface="Arial"/>
-                          <a:sym typeface="Arial"/>
                         </a:rPr>
                         <a:t>5</a:t>
                       </a:r>
@@ -13453,9 +12886,6 @@
                             </a:srgbClr>
                           </a:solidFill>
                           <a:latin typeface="Arial"/>
-                          <a:cs typeface="Arial"/>
-                          <a:ea typeface="Arial"/>
-                          <a:sym typeface="Arial"/>
                         </a:rPr>
                         <a:t>3.3333</a:t>
                       </a:r>
@@ -13510,9 +12940,6 @@
                             </a:srgbClr>
                           </a:solidFill>
                           <a:latin typeface="Arial"/>
-                          <a:cs typeface="Arial"/>
-                          <a:ea typeface="Arial"/>
-                          <a:sym typeface="Arial"/>
                         </a:rPr>
                         <a:t>15</a:t>
                       </a:r>
@@ -13567,9 +12994,6 @@
                             </a:srgbClr>
                           </a:solidFill>
                           <a:latin typeface="Arial"/>
-                          <a:cs typeface="Arial"/>
-                          <a:ea typeface="Arial"/>
-                          <a:sym typeface="Arial"/>
                         </a:rPr>
                         <a:t>0.0874</a:t>
                       </a:r>
@@ -13626,9 +13050,6 @@
                             </a:srgbClr>
                           </a:solidFill>
                           <a:latin typeface="Arial"/>
-                          <a:cs typeface="Arial"/>
-                          <a:ea typeface="Arial"/>
-                          <a:sym typeface="Arial"/>
                         </a:rPr>
                         <a:t>OB_TRW</a:t>
                       </a:r>
@@ -13683,9 +13104,6 @@
                             </a:srgbClr>
                           </a:solidFill>
                           <a:latin typeface="Arial"/>
-                          <a:cs typeface="Arial"/>
-                          <a:ea typeface="Arial"/>
-                          <a:sym typeface="Arial"/>
                         </a:rPr>
                         <a:t>7129</a:t>
                       </a:r>
@@ -13740,9 +13158,6 @@
                             </a:srgbClr>
                           </a:solidFill>
                           <a:latin typeface="Arial"/>
-                          <a:cs typeface="Arial"/>
-                          <a:ea typeface="Arial"/>
-                          <a:sym typeface="Arial"/>
                         </a:rPr>
                         <a:t>78</a:t>
                       </a:r>
@@ -13797,9 +13212,6 @@
                             </a:srgbClr>
                           </a:solidFill>
                           <a:latin typeface="Arial"/>
-                          <a:cs typeface="Arial"/>
-                          <a:ea typeface="Arial"/>
-                          <a:sym typeface="Arial"/>
                         </a:rPr>
                         <a:t>13</a:t>
                       </a:r>
@@ -13854,9 +13266,6 @@
                             </a:srgbClr>
                           </a:solidFill>
                           <a:latin typeface="Arial"/>
-                          <a:cs typeface="Arial"/>
-                          <a:ea typeface="Arial"/>
-                          <a:sym typeface="Arial"/>
                         </a:rPr>
                         <a:t>3</a:t>
                       </a:r>
@@ -13911,9 +13320,6 @@
                             </a:srgbClr>
                           </a:solidFill>
                           <a:latin typeface="Arial"/>
-                          <a:cs typeface="Arial"/>
-                          <a:ea typeface="Arial"/>
-                          <a:sym typeface="Arial"/>
                         </a:rPr>
                         <a:t>2.0000</a:t>
                       </a:r>
@@ -13968,9 +13374,6 @@
                             </a:srgbClr>
                           </a:solidFill>
                           <a:latin typeface="Arial"/>
-                          <a:cs typeface="Arial"/>
-                          <a:ea typeface="Arial"/>
-                          <a:sym typeface="Arial"/>
                         </a:rPr>
                         <a:t>25</a:t>
                       </a:r>
@@ -14025,9 +13428,6 @@
                             </a:srgbClr>
                           </a:solidFill>
                           <a:latin typeface="Arial"/>
-                          <a:cs typeface="Arial"/>
-                          <a:ea typeface="Arial"/>
-                          <a:sym typeface="Arial"/>
                         </a:rPr>
                         <a:t>0.0172</a:t>
                       </a:r>
@@ -14084,9 +13484,6 @@
                             </a:srgbClr>
                           </a:solidFill>
                           <a:latin typeface="Arial"/>
-                          <a:cs typeface="Arial"/>
-                          <a:ea typeface="Arial"/>
-                          <a:sym typeface="Arial"/>
                         </a:rPr>
                         <a:t>OB_TRW</a:t>
                       </a:r>
@@ -14141,9 +13538,6 @@
                             </a:srgbClr>
                           </a:solidFill>
                           <a:latin typeface="Arial"/>
-                          <a:cs typeface="Arial"/>
-                          <a:ea typeface="Arial"/>
-                          <a:sym typeface="Arial"/>
                         </a:rPr>
                         <a:t>6493</a:t>
                       </a:r>
@@ -14198,9 +13592,6 @@
                             </a:srgbClr>
                           </a:solidFill>
                           <a:latin typeface="Arial"/>
-                          <a:cs typeface="Arial"/>
-                          <a:ea typeface="Arial"/>
-                          <a:sym typeface="Arial"/>
                         </a:rPr>
                         <a:t>78</a:t>
                       </a:r>
@@ -14255,9 +13646,6 @@
                             </a:srgbClr>
                           </a:solidFill>
                           <a:latin typeface="Arial"/>
-                          <a:cs typeface="Arial"/>
-                          <a:ea typeface="Arial"/>
-                          <a:sym typeface="Arial"/>
                         </a:rPr>
                         <a:t>14</a:t>
                       </a:r>
@@ -14312,9 +13700,6 @@
                             </a:srgbClr>
                           </a:solidFill>
                           <a:latin typeface="Arial"/>
-                          <a:cs typeface="Arial"/>
-                          <a:ea typeface="Arial"/>
-                          <a:sym typeface="Arial"/>
                         </a:rPr>
                         <a:t>18</a:t>
                       </a:r>
@@ -14369,9 +13754,6 @@
                             </a:srgbClr>
                           </a:solidFill>
                           <a:latin typeface="Arial"/>
-                          <a:cs typeface="Arial"/>
-                          <a:ea typeface="Arial"/>
-                          <a:sym typeface="Arial"/>
                         </a:rPr>
                         <a:t>16.8333</a:t>
                       </a:r>
@@ -14426,9 +13808,6 @@
                             </a:srgbClr>
                           </a:solidFill>
                           <a:latin typeface="Arial"/>
-                          <a:cs typeface="Arial"/>
-                          <a:ea typeface="Arial"/>
-                          <a:sym typeface="Arial"/>
                         </a:rPr>
                         <a:t>26</a:t>
                       </a:r>
@@ -14483,9 +13862,6 @@
                             </a:srgbClr>
                           </a:solidFill>
                           <a:latin typeface="Arial"/>
-                          <a:cs typeface="Arial"/>
-                          <a:ea typeface="Arial"/>
-                          <a:sym typeface="Arial"/>
                         </a:rPr>
                         <a:t>0.0146</a:t>
                       </a:r>
@@ -14542,9 +13918,6 @@
                             </a:srgbClr>
                           </a:solidFill>
                           <a:latin typeface="Arial"/>
-                          <a:cs typeface="Arial"/>
-                          <a:ea typeface="Arial"/>
-                          <a:sym typeface="Arial"/>
                         </a:rPr>
                         <a:t>OB_TRW</a:t>
                       </a:r>
@@ -14599,9 +13972,6 @@
                             </a:srgbClr>
                           </a:solidFill>
                           <a:latin typeface="Arial"/>
-                          <a:cs typeface="Arial"/>
-                          <a:ea typeface="Arial"/>
-                          <a:sym typeface="Arial"/>
                         </a:rPr>
                         <a:t>7128</a:t>
                       </a:r>
@@ -14656,9 +14026,6 @@
                             </a:srgbClr>
                           </a:solidFill>
                           <a:latin typeface="Arial"/>
-                          <a:cs typeface="Arial"/>
-                          <a:ea typeface="Arial"/>
-                          <a:sym typeface="Arial"/>
                         </a:rPr>
                         <a:t>78</a:t>
                       </a:r>
@@ -14713,9 +14080,6 @@
                             </a:srgbClr>
                           </a:solidFill>
                           <a:latin typeface="Arial"/>
-                          <a:cs typeface="Arial"/>
-                          <a:ea typeface="Arial"/>
-                          <a:sym typeface="Arial"/>
                         </a:rPr>
                         <a:t>12</a:t>
                       </a:r>
@@ -14770,9 +14134,6 @@
                             </a:srgbClr>
                           </a:solidFill>
                           <a:latin typeface="Arial"/>
-                          <a:cs typeface="Arial"/>
-                          <a:ea typeface="Arial"/>
-                          <a:sym typeface="Arial"/>
                         </a:rPr>
                         <a:t>3</a:t>
                       </a:r>
@@ -14827,9 +14188,6 @@
                             </a:srgbClr>
                           </a:solidFill>
                           <a:latin typeface="Arial"/>
-                          <a:cs typeface="Arial"/>
-                          <a:ea typeface="Arial"/>
-                          <a:sym typeface="Arial"/>
                         </a:rPr>
                         <a:t>2.0000</a:t>
                       </a:r>
@@ -14884,9 +14242,6 @@
                             </a:srgbClr>
                           </a:solidFill>
                           <a:latin typeface="Arial"/>
-                          <a:cs typeface="Arial"/>
-                          <a:ea typeface="Arial"/>
-                          <a:sym typeface="Arial"/>
                         </a:rPr>
                         <a:t>11</a:t>
                       </a:r>
@@ -14941,9 +14296,6 @@
                             </a:srgbClr>
                           </a:solidFill>
                           <a:latin typeface="Arial"/>
-                          <a:cs typeface="Arial"/>
-                          <a:ea typeface="Arial"/>
-                          <a:sym typeface="Arial"/>
                         </a:rPr>
                         <a:t>0.1673</a:t>
                       </a:r>
@@ -15000,9 +14352,6 @@
                             </a:srgbClr>
                           </a:solidFill>
                           <a:latin typeface="Arial"/>
-                          <a:cs typeface="Arial"/>
-                          <a:ea typeface="Arial"/>
-                          <a:sym typeface="Arial"/>
                         </a:rPr>
                         <a:t>OB_TRW</a:t>
                       </a:r>
@@ -15057,9 +14406,6 @@
                             </a:srgbClr>
                           </a:solidFill>
                           <a:latin typeface="Arial"/>
-                          <a:cs typeface="Arial"/>
-                          <a:ea typeface="Arial"/>
-                          <a:sym typeface="Arial"/>
                         </a:rPr>
                         <a:t>6498</a:t>
                       </a:r>
@@ -15114,9 +14460,6 @@
                             </a:srgbClr>
                           </a:solidFill>
                           <a:latin typeface="Arial"/>
-                          <a:cs typeface="Arial"/>
-                          <a:ea typeface="Arial"/>
-                          <a:sym typeface="Arial"/>
                         </a:rPr>
                         <a:t>78</a:t>
                       </a:r>
@@ -15171,9 +14514,6 @@
                             </a:srgbClr>
                           </a:solidFill>
                           <a:latin typeface="Arial"/>
-                          <a:cs typeface="Arial"/>
-                          <a:ea typeface="Arial"/>
-                          <a:sym typeface="Arial"/>
                         </a:rPr>
                         <a:t>15</a:t>
                       </a:r>
@@ -15228,9 +14568,6 @@
                             </a:srgbClr>
                           </a:solidFill>
                           <a:latin typeface="Arial"/>
-                          <a:cs typeface="Arial"/>
-                          <a:ea typeface="Arial"/>
-                          <a:sym typeface="Arial"/>
                         </a:rPr>
                         <a:t>2</a:t>
                       </a:r>
@@ -15285,9 +14622,6 @@
                             </a:srgbClr>
                           </a:solidFill>
                           <a:latin typeface="Arial"/>
-                          <a:cs typeface="Arial"/>
-                          <a:ea typeface="Arial"/>
-                          <a:sym typeface="Arial"/>
                         </a:rPr>
                         <a:t>2.0000</a:t>
                       </a:r>
@@ -15342,9 +14676,6 @@
                             </a:srgbClr>
                           </a:solidFill>
                           <a:latin typeface="Arial"/>
-                          <a:cs typeface="Arial"/>
-                          <a:ea typeface="Arial"/>
-                          <a:sym typeface="Arial"/>
                         </a:rPr>
                         <a:t>24</a:t>
                       </a:r>
@@ -15399,9 +14730,6 @@
                             </a:srgbClr>
                           </a:solidFill>
                           <a:latin typeface="Arial"/>
-                          <a:cs typeface="Arial"/>
-                          <a:ea typeface="Arial"/>
-                          <a:sym typeface="Arial"/>
                         </a:rPr>
                         <a:t>0.0202</a:t>
                       </a:r>
@@ -15458,9 +14786,6 @@
                             </a:srgbClr>
                           </a:solidFill>
                           <a:latin typeface="Arial"/>
-                          <a:cs typeface="Arial"/>
-                          <a:ea typeface="Arial"/>
-                          <a:sym typeface="Arial"/>
                         </a:rPr>
                         <a:t>OB_TRW</a:t>
                       </a:r>
@@ -15515,9 +14840,6 @@
                             </a:srgbClr>
                           </a:solidFill>
                           <a:latin typeface="Arial"/>
-                          <a:cs typeface="Arial"/>
-                          <a:ea typeface="Arial"/>
-                          <a:sym typeface="Arial"/>
                         </a:rPr>
                         <a:t>7130</a:t>
                       </a:r>
@@ -15572,9 +14894,6 @@
                             </a:srgbClr>
                           </a:solidFill>
                           <a:latin typeface="Arial"/>
-                          <a:cs typeface="Arial"/>
-                          <a:ea typeface="Arial"/>
-                          <a:sym typeface="Arial"/>
                         </a:rPr>
                         <a:t>85</a:t>
                       </a:r>
@@ -15629,9 +14948,6 @@
                             </a:srgbClr>
                           </a:solidFill>
                           <a:latin typeface="Arial"/>
-                          <a:cs typeface="Arial"/>
-                          <a:ea typeface="Arial"/>
-                          <a:sym typeface="Arial"/>
                         </a:rPr>
                         <a:t>14</a:t>
                       </a:r>
@@ -15686,9 +15002,6 @@
                             </a:srgbClr>
                           </a:solidFill>
                           <a:latin typeface="Arial"/>
-                          <a:cs typeface="Arial"/>
-                          <a:ea typeface="Arial"/>
-                          <a:sym typeface="Arial"/>
                         </a:rPr>
                         <a:t>2</a:t>
                       </a:r>
@@ -15743,9 +15056,6 @@
                             </a:srgbClr>
                           </a:solidFill>
                           <a:latin typeface="Arial"/>
-                          <a:cs typeface="Arial"/>
-                          <a:ea typeface="Arial"/>
-                          <a:sym typeface="Arial"/>
                         </a:rPr>
                         <a:t>1.5000</a:t>
                       </a:r>
@@ -15800,9 +15110,6 @@
                             </a:srgbClr>
                           </a:solidFill>
                           <a:latin typeface="Arial"/>
-                          <a:cs typeface="Arial"/>
-                          <a:ea typeface="Arial"/>
-                          <a:sym typeface="Arial"/>
                         </a:rPr>
                         <a:t>26</a:t>
                       </a:r>
@@ -15857,9 +15164,6 @@
                             </a:srgbClr>
                           </a:solidFill>
                           <a:latin typeface="Arial"/>
-                          <a:cs typeface="Arial"/>
-                          <a:ea typeface="Arial"/>
-                          <a:sym typeface="Arial"/>
                         </a:rPr>
                         <a:t>0.0146</a:t>
                       </a:r>
@@ -15916,9 +15220,6 @@
                             </a:srgbClr>
                           </a:solidFill>
                           <a:latin typeface="Arial"/>
-                          <a:cs typeface="Arial"/>
-                          <a:ea typeface="Arial"/>
-                          <a:sym typeface="Arial"/>
                         </a:rPr>
                         <a:t>OB_TRW</a:t>
                       </a:r>
@@ -15973,9 +15274,6 @@
                             </a:srgbClr>
                           </a:solidFill>
                           <a:latin typeface="Arial"/>
-                          <a:cs typeface="Arial"/>
-                          <a:ea typeface="Arial"/>
-                          <a:sym typeface="Arial"/>
                         </a:rPr>
                         <a:t>7127</a:t>
                       </a:r>
@@ -16030,9 +15328,6 @@
                             </a:srgbClr>
                           </a:solidFill>
                           <a:latin typeface="Arial"/>
-                          <a:cs typeface="Arial"/>
-                          <a:ea typeface="Arial"/>
-                          <a:sym typeface="Arial"/>
                         </a:rPr>
                         <a:t>91</a:t>
                       </a:r>
@@ -16087,9 +15382,6 @@
                             </a:srgbClr>
                           </a:solidFill>
                           <a:latin typeface="Arial"/>
-                          <a:cs typeface="Arial"/>
-                          <a:ea typeface="Arial"/>
-                          <a:sym typeface="Arial"/>
                         </a:rPr>
                         <a:t>11</a:t>
                       </a:r>
@@ -16144,9 +15436,6 @@
                             </a:srgbClr>
                           </a:solidFill>
                           <a:latin typeface="Arial"/>
-                          <a:cs typeface="Arial"/>
-                          <a:ea typeface="Arial"/>
-                          <a:sym typeface="Arial"/>
                         </a:rPr>
                         <a:t>1</a:t>
                       </a:r>
@@ -16201,9 +15490,6 @@
                             </a:srgbClr>
                           </a:solidFill>
                           <a:latin typeface="Arial"/>
-                          <a:cs typeface="Arial"/>
-                          <a:ea typeface="Arial"/>
-                          <a:sym typeface="Arial"/>
                         </a:rPr>
                         <a:t>0.3333</a:t>
                       </a:r>
@@ -16258,9 +15544,6 @@
                             </a:srgbClr>
                           </a:solidFill>
                           <a:latin typeface="Arial"/>
-                          <a:cs typeface="Arial"/>
-                          <a:ea typeface="Arial"/>
-                          <a:sym typeface="Arial"/>
                         </a:rPr>
                         <a:t>16</a:t>
                       </a:r>
@@ -16315,9 +15598,6 @@
                             </a:srgbClr>
                           </a:solidFill>
                           <a:latin typeface="Arial"/>
-                          <a:cs typeface="Arial"/>
-                          <a:ea typeface="Arial"/>
-                          <a:sym typeface="Arial"/>
                         </a:rPr>
                         <a:t>0.0743</a:t>
                       </a:r>
@@ -16374,9 +15654,6 @@
                             </a:srgbClr>
                           </a:solidFill>
                           <a:latin typeface="Arial"/>
-                          <a:cs typeface="Arial"/>
-                          <a:ea typeface="Arial"/>
-                          <a:sym typeface="Arial"/>
                         </a:rPr>
                         <a:t>OB_TRW</a:t>
                       </a:r>
@@ -16431,9 +15708,6 @@
                             </a:srgbClr>
                           </a:solidFill>
                           <a:latin typeface="Arial"/>
-                          <a:cs typeface="Arial"/>
-                          <a:ea typeface="Arial"/>
-                          <a:sym typeface="Arial"/>
                         </a:rPr>
                         <a:t>6494</a:t>
                       </a:r>
@@ -16488,9 +15762,6 @@
                             </a:srgbClr>
                           </a:solidFill>
                           <a:latin typeface="Arial"/>
-                          <a:cs typeface="Arial"/>
-                          <a:ea typeface="Arial"/>
-                          <a:sym typeface="Arial"/>
                         </a:rPr>
                         <a:t>91</a:t>
                       </a:r>
@@ -16545,9 +15816,6 @@
                             </a:srgbClr>
                           </a:solidFill>
                           <a:latin typeface="Arial"/>
-                          <a:cs typeface="Arial"/>
-                          <a:ea typeface="Arial"/>
-                          <a:sym typeface="Arial"/>
                         </a:rPr>
                         <a:t>14</a:t>
                       </a:r>
@@ -16602,9 +15870,6 @@
                             </a:srgbClr>
                           </a:solidFill>
                           <a:latin typeface="Arial"/>
-                          <a:cs typeface="Arial"/>
-                          <a:ea typeface="Arial"/>
-                          <a:sym typeface="Arial"/>
                         </a:rPr>
                         <a:t>2</a:t>
                       </a:r>
@@ -16659,9 +15924,6 @@
                             </a:srgbClr>
                           </a:solidFill>
                           <a:latin typeface="Arial"/>
-                          <a:cs typeface="Arial"/>
-                          <a:ea typeface="Arial"/>
-                          <a:sym typeface="Arial"/>
                         </a:rPr>
                         <a:t>1.0000</a:t>
                       </a:r>
@@ -16716,9 +15978,6 @@
                             </a:srgbClr>
                           </a:solidFill>
                           <a:latin typeface="Arial"/>
-                          <a:cs typeface="Arial"/>
-                          <a:ea typeface="Arial"/>
-                          <a:sym typeface="Arial"/>
                         </a:rPr>
                         <a:t>26</a:t>
                       </a:r>
@@ -16773,9 +16032,6 @@
                             </a:srgbClr>
                           </a:solidFill>
                           <a:latin typeface="Arial"/>
-                          <a:cs typeface="Arial"/>
-                          <a:ea typeface="Arial"/>
-                          <a:sym typeface="Arial"/>
                         </a:rPr>
                         <a:t>0.0146</a:t>
                       </a:r>
@@ -16832,9 +16088,6 @@
                             </a:srgbClr>
                           </a:solidFill>
                           <a:latin typeface="Arial"/>
-                          <a:cs typeface="Arial"/>
-                          <a:ea typeface="Arial"/>
-                          <a:sym typeface="Arial"/>
                         </a:rPr>
                         <a:t>OB_TRW</a:t>
                       </a:r>
@@ -16889,9 +16142,6 @@
                             </a:srgbClr>
                           </a:solidFill>
                           <a:latin typeface="Arial"/>
-                          <a:cs typeface="Arial"/>
-                          <a:ea typeface="Arial"/>
-                          <a:sym typeface="Arial"/>
                         </a:rPr>
                         <a:t>5796</a:t>
                       </a:r>
@@ -16946,9 +16196,6 @@
                             </a:srgbClr>
                           </a:solidFill>
                           <a:latin typeface="Arial"/>
-                          <a:cs typeface="Arial"/>
-                          <a:ea typeface="Arial"/>
-                          <a:sym typeface="Arial"/>
                         </a:rPr>
                         <a:t>91</a:t>
                       </a:r>
@@ -17003,9 +16250,6 @@
                             </a:srgbClr>
                           </a:solidFill>
                           <a:latin typeface="Arial"/>
-                          <a:cs typeface="Arial"/>
-                          <a:ea typeface="Arial"/>
-                          <a:sym typeface="Arial"/>
                         </a:rPr>
                         <a:t>13</a:t>
                       </a:r>
@@ -17060,9 +16304,6 @@
                             </a:srgbClr>
                           </a:solidFill>
                           <a:latin typeface="Arial"/>
-                          <a:cs typeface="Arial"/>
-                          <a:ea typeface="Arial"/>
-                          <a:sym typeface="Arial"/>
                         </a:rPr>
                         <a:t>2</a:t>
                       </a:r>
@@ -17117,9 +16358,6 @@
                             </a:srgbClr>
                           </a:solidFill>
                           <a:latin typeface="Arial"/>
-                          <a:cs typeface="Arial"/>
-                          <a:ea typeface="Arial"/>
-                          <a:sym typeface="Arial"/>
                         </a:rPr>
                         <a:t>1.0000</a:t>
                       </a:r>
@@ -17174,9 +16412,6 @@
                             </a:srgbClr>
                           </a:solidFill>
                           <a:latin typeface="Arial"/>
-                          <a:cs typeface="Arial"/>
-                          <a:ea typeface="Arial"/>
-                          <a:sym typeface="Arial"/>
                         </a:rPr>
                         <a:t>26</a:t>
                       </a:r>
@@ -17231,9 +16466,6 @@
                             </a:srgbClr>
                           </a:solidFill>
                           <a:latin typeface="Arial"/>
-                          <a:cs typeface="Arial"/>
-                          <a:ea typeface="Arial"/>
-                          <a:sym typeface="Arial"/>
                         </a:rPr>
                         <a:t>0.0146</a:t>
                       </a:r>
@@ -17290,9 +16522,6 @@
                             </a:srgbClr>
                           </a:solidFill>
                           <a:latin typeface="Arial"/>
-                          <a:cs typeface="Arial"/>
-                          <a:ea typeface="Arial"/>
-                          <a:sym typeface="Arial"/>
                         </a:rPr>
                         <a:t>OB_TRW</a:t>
                       </a:r>
@@ -17311,7 +16540,7 @@
                       <a:noFill/>
                       <a:prstDash val="solid"/>
                     </a:lnT>
-                    <a:lnB algn="ctr" cmpd="sng" cap="flat" w="19050">
+                    <a:lnB algn="ctr" cmpd="sng" cap="flat" w="25400">
                       <a:solidFill>
                         <a:srgbClr val="666666">
                           <a:alpha val="100000"/>
@@ -17351,9 +16580,6 @@
                             </a:srgbClr>
                           </a:solidFill>
                           <a:latin typeface="Arial"/>
-                          <a:cs typeface="Arial"/>
-                          <a:ea typeface="Arial"/>
-                          <a:sym typeface="Arial"/>
                         </a:rPr>
                         <a:t>6632</a:t>
                       </a:r>
@@ -17372,7 +16598,7 @@
                       <a:noFill/>
                       <a:prstDash val="solid"/>
                     </a:lnT>
-                    <a:lnB algn="ctr" cmpd="sng" cap="flat" w="19050">
+                    <a:lnB algn="ctr" cmpd="sng" cap="flat" w="25400">
                       <a:solidFill>
                         <a:srgbClr val="666666">
                           <a:alpha val="100000"/>
@@ -17412,9 +16638,6 @@
                             </a:srgbClr>
                           </a:solidFill>
                           <a:latin typeface="Arial"/>
-                          <a:cs typeface="Arial"/>
-                          <a:ea typeface="Arial"/>
-                          <a:sym typeface="Arial"/>
                         </a:rPr>
                         <a:t>97</a:t>
                       </a:r>
@@ -17433,7 +16656,7 @@
                       <a:noFill/>
                       <a:prstDash val="solid"/>
                     </a:lnT>
-                    <a:lnB algn="ctr" cmpd="sng" cap="flat" w="19050">
+                    <a:lnB algn="ctr" cmpd="sng" cap="flat" w="25400">
                       <a:solidFill>
                         <a:srgbClr val="666666">
                           <a:alpha val="100000"/>
@@ -17473,9 +16696,6 @@
                             </a:srgbClr>
                           </a:solidFill>
                           <a:latin typeface="Arial"/>
-                          <a:cs typeface="Arial"/>
-                          <a:ea typeface="Arial"/>
-                          <a:sym typeface="Arial"/>
                         </a:rPr>
                         <a:t>12</a:t>
                       </a:r>
@@ -17494,7 +16714,7 @@
                       <a:noFill/>
                       <a:prstDash val="solid"/>
                     </a:lnT>
-                    <a:lnB algn="ctr" cmpd="sng" cap="flat" w="19050">
+                    <a:lnB algn="ctr" cmpd="sng" cap="flat" w="25400">
                       <a:solidFill>
                         <a:srgbClr val="666666">
                           <a:alpha val="100000"/>
@@ -17534,9 +16754,6 @@
                             </a:srgbClr>
                           </a:solidFill>
                           <a:latin typeface="Arial"/>
-                          <a:cs typeface="Arial"/>
-                          <a:ea typeface="Arial"/>
-                          <a:sym typeface="Arial"/>
                         </a:rPr>
                         <a:t>1</a:t>
                       </a:r>
@@ -17555,7 +16772,7 @@
                       <a:noFill/>
                       <a:prstDash val="solid"/>
                     </a:lnT>
-                    <a:lnB algn="ctr" cmpd="sng" cap="flat" w="19050">
+                    <a:lnB algn="ctr" cmpd="sng" cap="flat" w="25400">
                       <a:solidFill>
                         <a:srgbClr val="666666">
                           <a:alpha val="100000"/>
@@ -17595,9 +16812,6 @@
                             </a:srgbClr>
                           </a:solidFill>
                           <a:latin typeface="Arial"/>
-                          <a:cs typeface="Arial"/>
-                          <a:ea typeface="Arial"/>
-                          <a:sym typeface="Arial"/>
                         </a:rPr>
                         <a:t>1.0000</a:t>
                       </a:r>
@@ -17616,7 +16830,7 @@
                       <a:noFill/>
                       <a:prstDash val="solid"/>
                     </a:lnT>
-                    <a:lnB algn="ctr" cmpd="sng" cap="flat" w="19050">
+                    <a:lnB algn="ctr" cmpd="sng" cap="flat" w="25400">
                       <a:solidFill>
                         <a:srgbClr val="666666">
                           <a:alpha val="100000"/>
@@ -17656,9 +16870,6 @@
                             </a:srgbClr>
                           </a:solidFill>
                           <a:latin typeface="Arial"/>
-                          <a:cs typeface="Arial"/>
-                          <a:ea typeface="Arial"/>
-                          <a:sym typeface="Arial"/>
                         </a:rPr>
                         <a:t>11</a:t>
                       </a:r>
@@ -17677,7 +16888,7 @@
                       <a:noFill/>
                       <a:prstDash val="solid"/>
                     </a:lnT>
-                    <a:lnB algn="ctr" cmpd="sng" cap="flat" w="19050">
+                    <a:lnB algn="ctr" cmpd="sng" cap="flat" w="25400">
                       <a:solidFill>
                         <a:srgbClr val="666666">
                           <a:alpha val="100000"/>
@@ -17717,9 +16928,6 @@
                             </a:srgbClr>
                           </a:solidFill>
                           <a:latin typeface="Arial"/>
-                          <a:cs typeface="Arial"/>
-                          <a:ea typeface="Arial"/>
-                          <a:sym typeface="Arial"/>
                         </a:rPr>
                         <a:t>0.1673</a:t>
                       </a:r>
@@ -17738,7 +16946,7 @@
                       <a:noFill/>
                       <a:prstDash val="solid"/>
                     </a:lnT>
-                    <a:lnB algn="ctr" cmpd="sng" cap="flat" w="19050">
+                    <a:lnB algn="ctr" cmpd="sng" cap="flat" w="25400">
                       <a:solidFill>
                         <a:srgbClr val="666666">
                           <a:alpha val="100000"/>
